--- a/1_day/1일차_판서.pptx
+++ b/1_day/1일차_판서.pptx
@@ -8,8 +8,9 @@
     <p:sldId id="256" r:id="rId2"/>
     <p:sldId id="257" r:id="rId3"/>
     <p:sldId id="258" r:id="rId4"/>
-    <p:sldId id="259" r:id="rId5"/>
+    <p:sldId id="261" r:id="rId5"/>
     <p:sldId id="260" r:id="rId6"/>
+    <p:sldId id="262" r:id="rId7"/>
   </p:sldIdLst>
   <p:sldSz cx="12192000" cy="6858000"/>
   <p:notesSz cx="6858000" cy="9144000"/>
@@ -108,6 +109,11 @@
       </a:defRPr>
     </a:lvl9pPr>
   </p:defaultTextStyle>
+  <p:extLst>
+    <p:ext uri="{EFAFB233-063F-42B5-8137-9DF3F51BA10A}">
+      <p15:sldGuideLst xmlns:p15="http://schemas.microsoft.com/office/powerpoint/2012/main"/>
+    </p:ext>
+  </p:extLst>
 </p:presentation>
 </file>
 
@@ -258,7 +264,7 @@
           <a:p>
             <a:fld id="{7038A63A-32EC-4BAC-8FBD-FA821D9570F2}" type="datetimeFigureOut">
               <a:rPr lang="ko-KR" altLang="en-US" smtClean="0"/>
-              <a:t>2023-05-22</a:t>
+              <a:t>2023-09-12</a:t>
             </a:fld>
             <a:endParaRPr lang="ko-KR" altLang="en-US"/>
           </a:p>
@@ -456,7 +462,7 @@
           <a:p>
             <a:fld id="{7038A63A-32EC-4BAC-8FBD-FA821D9570F2}" type="datetimeFigureOut">
               <a:rPr lang="ko-KR" altLang="en-US" smtClean="0"/>
-              <a:t>2023-05-22</a:t>
+              <a:t>2023-09-12</a:t>
             </a:fld>
             <a:endParaRPr lang="ko-KR" altLang="en-US"/>
           </a:p>
@@ -664,7 +670,7 @@
           <a:p>
             <a:fld id="{7038A63A-32EC-4BAC-8FBD-FA821D9570F2}" type="datetimeFigureOut">
               <a:rPr lang="ko-KR" altLang="en-US" smtClean="0"/>
-              <a:t>2023-05-22</a:t>
+              <a:t>2023-09-12</a:t>
             </a:fld>
             <a:endParaRPr lang="ko-KR" altLang="en-US"/>
           </a:p>
@@ -862,7 +868,7 @@
           <a:p>
             <a:fld id="{7038A63A-32EC-4BAC-8FBD-FA821D9570F2}" type="datetimeFigureOut">
               <a:rPr lang="ko-KR" altLang="en-US" smtClean="0"/>
-              <a:t>2023-05-22</a:t>
+              <a:t>2023-09-12</a:t>
             </a:fld>
             <a:endParaRPr lang="ko-KR" altLang="en-US"/>
           </a:p>
@@ -1137,7 +1143,7 @@
           <a:p>
             <a:fld id="{7038A63A-32EC-4BAC-8FBD-FA821D9570F2}" type="datetimeFigureOut">
               <a:rPr lang="ko-KR" altLang="en-US" smtClean="0"/>
-              <a:t>2023-05-22</a:t>
+              <a:t>2023-09-12</a:t>
             </a:fld>
             <a:endParaRPr lang="ko-KR" altLang="en-US"/>
           </a:p>
@@ -1402,7 +1408,7 @@
           <a:p>
             <a:fld id="{7038A63A-32EC-4BAC-8FBD-FA821D9570F2}" type="datetimeFigureOut">
               <a:rPr lang="ko-KR" altLang="en-US" smtClean="0"/>
-              <a:t>2023-05-22</a:t>
+              <a:t>2023-09-12</a:t>
             </a:fld>
             <a:endParaRPr lang="ko-KR" altLang="en-US"/>
           </a:p>
@@ -1814,7 +1820,7 @@
           <a:p>
             <a:fld id="{7038A63A-32EC-4BAC-8FBD-FA821D9570F2}" type="datetimeFigureOut">
               <a:rPr lang="ko-KR" altLang="en-US" smtClean="0"/>
-              <a:t>2023-05-22</a:t>
+              <a:t>2023-09-12</a:t>
             </a:fld>
             <a:endParaRPr lang="ko-KR" altLang="en-US"/>
           </a:p>
@@ -1955,7 +1961,7 @@
           <a:p>
             <a:fld id="{7038A63A-32EC-4BAC-8FBD-FA821D9570F2}" type="datetimeFigureOut">
               <a:rPr lang="ko-KR" altLang="en-US" smtClean="0"/>
-              <a:t>2023-05-22</a:t>
+              <a:t>2023-09-12</a:t>
             </a:fld>
             <a:endParaRPr lang="ko-KR" altLang="en-US"/>
           </a:p>
@@ -2068,7 +2074,7 @@
           <a:p>
             <a:fld id="{7038A63A-32EC-4BAC-8FBD-FA821D9570F2}" type="datetimeFigureOut">
               <a:rPr lang="ko-KR" altLang="en-US" smtClean="0"/>
-              <a:t>2023-05-22</a:t>
+              <a:t>2023-09-12</a:t>
             </a:fld>
             <a:endParaRPr lang="ko-KR" altLang="en-US"/>
           </a:p>
@@ -2379,7 +2385,7 @@
           <a:p>
             <a:fld id="{7038A63A-32EC-4BAC-8FBD-FA821D9570F2}" type="datetimeFigureOut">
               <a:rPr lang="ko-KR" altLang="en-US" smtClean="0"/>
-              <a:t>2023-05-22</a:t>
+              <a:t>2023-09-12</a:t>
             </a:fld>
             <a:endParaRPr lang="ko-KR" altLang="en-US"/>
           </a:p>
@@ -2667,7 +2673,7 @@
           <a:p>
             <a:fld id="{7038A63A-32EC-4BAC-8FBD-FA821D9570F2}" type="datetimeFigureOut">
               <a:rPr lang="ko-KR" altLang="en-US" smtClean="0"/>
-              <a:t>2023-05-22</a:t>
+              <a:t>2023-09-12</a:t>
             </a:fld>
             <a:endParaRPr lang="ko-KR" altLang="en-US"/>
           </a:p>
@@ -2908,7 +2914,7 @@
           <a:p>
             <a:fld id="{7038A63A-32EC-4BAC-8FBD-FA821D9570F2}" type="datetimeFigureOut">
               <a:rPr lang="ko-KR" altLang="en-US" smtClean="0"/>
-              <a:t>2023-05-22</a:t>
+              <a:t>2023-09-12</a:t>
             </a:fld>
             <a:endParaRPr lang="ko-KR" altLang="en-US"/>
           </a:p>
@@ -4199,7 +4205,7 @@
         </p:nvSpPr>
         <p:spPr>
           <a:xfrm>
-            <a:off x="3748494" y="4293953"/>
+            <a:off x="6528417" y="4125028"/>
             <a:ext cx="962344" cy="962344"/>
           </a:xfrm>
           <a:prstGeom prst="rect">
@@ -4251,7 +4257,7 @@
         </p:nvSpPr>
         <p:spPr>
           <a:xfrm>
-            <a:off x="4252180" y="4768416"/>
+            <a:off x="7032103" y="4599491"/>
             <a:ext cx="962344" cy="962344"/>
           </a:xfrm>
           <a:prstGeom prst="rect">
@@ -4303,7 +4309,7 @@
         </p:nvSpPr>
         <p:spPr>
           <a:xfrm>
-            <a:off x="2734506" y="3894756"/>
+            <a:off x="5514429" y="3725831"/>
             <a:ext cx="1858457" cy="518262"/>
           </a:xfrm>
           <a:prstGeom prst="rect">
@@ -4344,7 +4350,7 @@
         </p:nvSpPr>
         <p:spPr>
           <a:xfrm>
-            <a:off x="3703467" y="4260183"/>
+            <a:off x="6483390" y="4091258"/>
             <a:ext cx="112555" cy="112555"/>
           </a:xfrm>
           <a:prstGeom prst="ellipse">
@@ -4398,7 +4404,7 @@
         </p:nvSpPr>
         <p:spPr>
           <a:xfrm>
-            <a:off x="4643310" y="5193311"/>
+            <a:off x="7423233" y="5024386"/>
             <a:ext cx="112555" cy="112555"/>
           </a:xfrm>
           <a:prstGeom prst="ellipse">
@@ -4452,8 +4458,8 @@
         </p:nvSpPr>
         <p:spPr>
           <a:xfrm>
-            <a:off x="4699587" y="4972992"/>
-            <a:ext cx="1858457" cy="518262"/>
+            <a:off x="7479510" y="4804067"/>
+            <a:ext cx="1324402" cy="369332"/>
           </a:xfrm>
           <a:prstGeom prst="rect">
             <a:avLst/>
@@ -4471,7 +4477,7 @@
               <a:rPr lang="en-US" altLang="ko-KR">
                 <a:latin typeface="Consolas" panose="020B0609020204030204" pitchFamily="49" charset="0"/>
               </a:rPr>
-              <a:t>(300,300)</a:t>
+              <a:t>(299,299)</a:t>
             </a:r>
             <a:endParaRPr lang="ko-KR" altLang="en-US">
               <a:latin typeface="Consolas" panose="020B0609020204030204" pitchFamily="49" charset="0"/>
@@ -4493,7 +4499,7 @@
         </p:nvSpPr>
         <p:spPr>
           <a:xfrm>
-            <a:off x="4389404" y="3992420"/>
+            <a:off x="7169327" y="3823495"/>
             <a:ext cx="969942" cy="518262"/>
           </a:xfrm>
           <a:prstGeom prst="rect">
@@ -4534,7 +4540,7 @@
         </p:nvSpPr>
         <p:spPr>
           <a:xfrm>
-            <a:off x="4811490" y="4515994"/>
+            <a:off x="7591413" y="4347069"/>
             <a:ext cx="969942" cy="518262"/>
           </a:xfrm>
           <a:prstGeom prst="rect">
@@ -4575,7 +4581,7 @@
         </p:nvSpPr>
         <p:spPr>
           <a:xfrm>
-            <a:off x="4227696" y="4712137"/>
+            <a:off x="7007619" y="4543212"/>
             <a:ext cx="112555" cy="112555"/>
           </a:xfrm>
           <a:prstGeom prst="ellipse">
@@ -4629,7 +4635,7 @@
         </p:nvSpPr>
         <p:spPr>
           <a:xfrm>
-            <a:off x="5158245" y="5674481"/>
+            <a:off x="7938168" y="5505556"/>
             <a:ext cx="112555" cy="112555"/>
           </a:xfrm>
           <a:prstGeom prst="ellipse">
@@ -4683,7 +4689,7 @@
         </p:nvSpPr>
         <p:spPr>
           <a:xfrm>
-            <a:off x="3222304" y="4404094"/>
+            <a:off x="5930157" y="4280493"/>
             <a:ext cx="1858457" cy="518262"/>
           </a:xfrm>
           <a:prstGeom prst="rect">
@@ -4724,8 +4730,8 @@
         </p:nvSpPr>
         <p:spPr>
           <a:xfrm>
-            <a:off x="4975449" y="5762222"/>
-            <a:ext cx="1858457" cy="518262"/>
+            <a:off x="7810455" y="5542207"/>
+            <a:ext cx="1324402" cy="369332"/>
           </a:xfrm>
           <a:prstGeom prst="rect">
             <a:avLst/>
@@ -4743,7 +4749,7 @@
               <a:rPr lang="en-US" altLang="ko-KR">
                 <a:latin typeface="Consolas" panose="020B0609020204030204" pitchFamily="49" charset="0"/>
               </a:rPr>
-              <a:t>(400,400)</a:t>
+              <a:t>(399,399)</a:t>
             </a:r>
             <a:endParaRPr lang="ko-KR" altLang="en-US">
               <a:latin typeface="Consolas" panose="020B0609020204030204" pitchFamily="49" charset="0"/>
@@ -4765,8 +4771,8 @@
         </p:nvSpPr>
         <p:spPr>
           <a:xfrm>
-            <a:off x="4252181" y="4781638"/>
-            <a:ext cx="458658" cy="474660"/>
+            <a:off x="7032104" y="4591904"/>
+            <a:ext cx="458658" cy="495469"/>
           </a:xfrm>
           <a:prstGeom prst="rect">
             <a:avLst/>
@@ -4797,6 +4803,170 @@
           <a:p>
             <a:pPr algn="ctr"/>
             <a:endParaRPr lang="ko-KR" altLang="en-US"/>
+          </a:p>
+        </p:txBody>
+      </p:sp>
+      <p:sp>
+        <p:nvSpPr>
+          <p:cNvPr id="4" name="TextBox 3">
+            <a:extLst>
+              <a:ext uri="{FF2B5EF4-FFF2-40B4-BE49-F238E27FC236}">
+                <a16:creationId xmlns:a16="http://schemas.microsoft.com/office/drawing/2014/main" id="{F9906B2E-5CEF-22C7-39A6-1317AE49843F}"/>
+              </a:ext>
+            </a:extLst>
+          </p:cNvPr>
+          <p:cNvSpPr txBox="1"/>
+          <p:nvPr/>
+        </p:nvSpPr>
+        <p:spPr>
+          <a:xfrm>
+            <a:off x="6157127" y="4494859"/>
+            <a:ext cx="437940" cy="369332"/>
+          </a:xfrm>
+          <a:prstGeom prst="rect">
+            <a:avLst/>
+          </a:prstGeom>
+          <a:noFill/>
+        </p:spPr>
+        <p:txBody>
+          <a:bodyPr wrap="none" rtlCol="0">
+            <a:spAutoFit/>
+          </a:bodyPr>
+          <a:lstStyle/>
+          <a:p>
+            <a:pPr algn="l"/>
+            <a:r>
+              <a:rPr lang="en-US" altLang="ko-KR">
+                <a:latin typeface="Consolas" panose="020B0609020204030204" pitchFamily="49" charset="0"/>
+              </a:rPr>
+              <a:t>xA</a:t>
+            </a:r>
+            <a:endParaRPr lang="ko-KR" altLang="en-US">
+              <a:latin typeface="Consolas" panose="020B0609020204030204" pitchFamily="49" charset="0"/>
+            </a:endParaRPr>
+          </a:p>
+        </p:txBody>
+      </p:sp>
+      <p:sp>
+        <p:nvSpPr>
+          <p:cNvPr id="5" name="TextBox 4">
+            <a:extLst>
+              <a:ext uri="{FF2B5EF4-FFF2-40B4-BE49-F238E27FC236}">
+                <a16:creationId xmlns:a16="http://schemas.microsoft.com/office/drawing/2014/main" id="{9E7F87ED-1B6D-043E-005A-9CA9FECECA54}"/>
+              </a:ext>
+            </a:extLst>
+          </p:cNvPr>
+          <p:cNvSpPr txBox="1"/>
+          <p:nvPr/>
+        </p:nvSpPr>
+        <p:spPr>
+          <a:xfrm>
+            <a:off x="6626491" y="4494240"/>
+            <a:ext cx="437940" cy="369332"/>
+          </a:xfrm>
+          <a:prstGeom prst="rect">
+            <a:avLst/>
+          </a:prstGeom>
+          <a:noFill/>
+        </p:spPr>
+        <p:txBody>
+          <a:bodyPr wrap="none" rtlCol="0">
+            <a:spAutoFit/>
+          </a:bodyPr>
+          <a:lstStyle/>
+          <a:p>
+            <a:pPr algn="l"/>
+            <a:r>
+              <a:rPr lang="en-US" altLang="ko-KR">
+                <a:latin typeface="Consolas" panose="020B0609020204030204" pitchFamily="49" charset="0"/>
+              </a:rPr>
+              <a:t>yA</a:t>
+            </a:r>
+            <a:endParaRPr lang="ko-KR" altLang="en-US">
+              <a:latin typeface="Consolas" panose="020B0609020204030204" pitchFamily="49" charset="0"/>
+            </a:endParaRPr>
+          </a:p>
+        </p:txBody>
+      </p:sp>
+      <p:sp>
+        <p:nvSpPr>
+          <p:cNvPr id="7" name="TextBox 6">
+            <a:extLst>
+              <a:ext uri="{FF2B5EF4-FFF2-40B4-BE49-F238E27FC236}">
+                <a16:creationId xmlns:a16="http://schemas.microsoft.com/office/drawing/2014/main" id="{A14BFB27-E520-8CE7-9541-DD381FCB4732}"/>
+              </a:ext>
+            </a:extLst>
+          </p:cNvPr>
+          <p:cNvSpPr txBox="1"/>
+          <p:nvPr/>
+        </p:nvSpPr>
+        <p:spPr>
+          <a:xfrm>
+            <a:off x="7719197" y="5008643"/>
+            <a:ext cx="437940" cy="369332"/>
+          </a:xfrm>
+          <a:prstGeom prst="rect">
+            <a:avLst/>
+          </a:prstGeom>
+          <a:noFill/>
+        </p:spPr>
+        <p:txBody>
+          <a:bodyPr wrap="none" rtlCol="0">
+            <a:spAutoFit/>
+          </a:bodyPr>
+          <a:lstStyle/>
+          <a:p>
+            <a:pPr algn="l"/>
+            <a:r>
+              <a:rPr lang="en-US" altLang="ko-KR">
+                <a:latin typeface="Consolas" panose="020B0609020204030204" pitchFamily="49" charset="0"/>
+              </a:rPr>
+              <a:t>xB</a:t>
+            </a:r>
+            <a:endParaRPr lang="ko-KR" altLang="en-US">
+              <a:latin typeface="Consolas" panose="020B0609020204030204" pitchFamily="49" charset="0"/>
+            </a:endParaRPr>
+          </a:p>
+        </p:txBody>
+      </p:sp>
+      <p:sp>
+        <p:nvSpPr>
+          <p:cNvPr id="8" name="TextBox 7">
+            <a:extLst>
+              <a:ext uri="{FF2B5EF4-FFF2-40B4-BE49-F238E27FC236}">
+                <a16:creationId xmlns:a16="http://schemas.microsoft.com/office/drawing/2014/main" id="{D6A30BEB-FCCF-FE66-8D6B-A6FD8703C80E}"/>
+              </a:ext>
+            </a:extLst>
+          </p:cNvPr>
+          <p:cNvSpPr txBox="1"/>
+          <p:nvPr/>
+        </p:nvSpPr>
+        <p:spPr>
+          <a:xfrm>
+            <a:off x="8212848" y="4998285"/>
+            <a:ext cx="437940" cy="369332"/>
+          </a:xfrm>
+          <a:prstGeom prst="rect">
+            <a:avLst/>
+          </a:prstGeom>
+          <a:noFill/>
+        </p:spPr>
+        <p:txBody>
+          <a:bodyPr wrap="none" rtlCol="0">
+            <a:spAutoFit/>
+          </a:bodyPr>
+          <a:lstStyle/>
+          <a:p>
+            <a:pPr algn="l"/>
+            <a:r>
+              <a:rPr lang="en-US" altLang="ko-KR">
+                <a:latin typeface="Consolas" panose="020B0609020204030204" pitchFamily="49" charset="0"/>
+              </a:rPr>
+              <a:t>yB</a:t>
+            </a:r>
+            <a:endParaRPr lang="ko-KR" altLang="en-US">
+              <a:latin typeface="Consolas" panose="020B0609020204030204" pitchFamily="49" charset="0"/>
+            </a:endParaRPr>
           </a:p>
         </p:txBody>
       </p:sp>
@@ -4976,7 +5146,7 @@
         </p:nvSpPr>
         <p:spPr>
           <a:xfrm>
-            <a:off x="4898198" y="5022424"/>
+            <a:off x="5272771" y="4078693"/>
             <a:ext cx="962344" cy="962344"/>
           </a:xfrm>
           <a:prstGeom prst="rect">
@@ -5080,7 +5250,7 @@
         </p:nvSpPr>
         <p:spPr>
           <a:xfrm>
-            <a:off x="4853171" y="4988654"/>
+            <a:off x="5227744" y="4044923"/>
             <a:ext cx="112555" cy="112555"/>
           </a:xfrm>
           <a:prstGeom prst="ellipse">
@@ -5134,7 +5304,7 @@
         </p:nvSpPr>
         <p:spPr>
           <a:xfrm>
-            <a:off x="5793014" y="5924679"/>
+            <a:off x="6167587" y="4980948"/>
             <a:ext cx="112555" cy="112555"/>
           </a:xfrm>
           <a:prstGeom prst="ellipse">
@@ -5188,7 +5358,7 @@
         </p:nvSpPr>
         <p:spPr>
           <a:xfrm>
-            <a:off x="4262331" y="5378025"/>
+            <a:off x="4636904" y="4434294"/>
             <a:ext cx="969942" cy="518262"/>
           </a:xfrm>
           <a:prstGeom prst="rect">
@@ -5324,7 +5494,7 @@
         </p:nvSpPr>
         <p:spPr>
           <a:xfrm>
-            <a:off x="4853955" y="4984758"/>
+            <a:off x="4841922" y="4980948"/>
             <a:ext cx="112555" cy="112555"/>
           </a:xfrm>
           <a:prstGeom prst="ellipse">
@@ -5419,8 +5589,8 @@
         </p:nvSpPr>
         <p:spPr>
           <a:xfrm>
-            <a:off x="4935135" y="4661114"/>
-            <a:ext cx="1324402" cy="369332"/>
+            <a:off x="5309708" y="3717383"/>
+            <a:ext cx="1197764" cy="369332"/>
           </a:xfrm>
           <a:prstGeom prst="rect">
             <a:avLst/>
@@ -5438,7 +5608,7 @@
               <a:rPr lang="en-US" altLang="ko-KR">
                 <a:latin typeface="Consolas" panose="020B0609020204030204" pitchFamily="49" charset="0"/>
               </a:rPr>
-              <a:t>(200,200)</a:t>
+              <a:t>(300, 0)</a:t>
             </a:r>
             <a:endParaRPr lang="ko-KR" altLang="en-US">
               <a:latin typeface="Consolas" panose="020B0609020204030204" pitchFamily="49" charset="0"/>
@@ -5460,7 +5630,7 @@
         </p:nvSpPr>
         <p:spPr>
           <a:xfrm>
-            <a:off x="5904785" y="5796290"/>
+            <a:off x="6279358" y="4852559"/>
             <a:ext cx="1324402" cy="369332"/>
           </a:xfrm>
           <a:prstGeom prst="rect">
@@ -5479,7 +5649,7 @@
               <a:rPr lang="en-US" altLang="ko-KR">
                 <a:latin typeface="Consolas" panose="020B0609020204030204" pitchFamily="49" charset="0"/>
               </a:rPr>
-              <a:t>(400,400)</a:t>
+              <a:t>(499,199)</a:t>
             </a:r>
             <a:endParaRPr lang="ko-KR" altLang="en-US">
               <a:latin typeface="Consolas" panose="020B0609020204030204" pitchFamily="49" charset="0"/>
@@ -5502,7 +5672,7 @@
         <p:spPr>
           <a:xfrm>
             <a:off x="6815174" y="4559865"/>
-            <a:ext cx="2464136" cy="369332"/>
+            <a:ext cx="1324402" cy="369332"/>
           </a:xfrm>
           <a:prstGeom prst="rect">
             <a:avLst/>
@@ -5520,11 +5690,204 @@
               <a:rPr lang="en-US" altLang="ko-KR">
                 <a:latin typeface="Consolas" panose="020B0609020204030204" pitchFamily="49" charset="0"/>
               </a:rPr>
-              <a:t>iou = 0.0000123...</a:t>
+              <a:t>iou = 0.0</a:t>
             </a:r>
             <a:endParaRPr lang="ko-KR" altLang="en-US">
               <a:latin typeface="Consolas" panose="020B0609020204030204" pitchFamily="49" charset="0"/>
             </a:endParaRPr>
+          </a:p>
+        </p:txBody>
+      </p:sp>
+      <p:sp>
+        <p:nvSpPr>
+          <p:cNvPr id="2" name="TextBox 1">
+            <a:extLst>
+              <a:ext uri="{FF2B5EF4-FFF2-40B4-BE49-F238E27FC236}">
+                <a16:creationId xmlns:a16="http://schemas.microsoft.com/office/drawing/2014/main" id="{D56BBD1F-E2A2-3D54-5E77-B55667409B4B}"/>
+              </a:ext>
+            </a:extLst>
+          </p:cNvPr>
+          <p:cNvSpPr txBox="1"/>
+          <p:nvPr/>
+        </p:nvSpPr>
+        <p:spPr>
+          <a:xfrm>
+            <a:off x="4395777" y="5087119"/>
+            <a:ext cx="1324402" cy="369332"/>
+          </a:xfrm>
+          <a:prstGeom prst="rect">
+            <a:avLst/>
+          </a:prstGeom>
+          <a:noFill/>
+        </p:spPr>
+        <p:txBody>
+          <a:bodyPr wrap="none" rtlCol="0">
+            <a:spAutoFit/>
+          </a:bodyPr>
+          <a:lstStyle/>
+          <a:p>
+            <a:pPr algn="l"/>
+            <a:r>
+              <a:rPr lang="en-US" altLang="ko-KR">
+                <a:latin typeface="Consolas" panose="020B0609020204030204" pitchFamily="49" charset="0"/>
+              </a:rPr>
+              <a:t>(199,199)</a:t>
+            </a:r>
+            <a:endParaRPr lang="ko-KR" altLang="en-US">
+              <a:latin typeface="Consolas" panose="020B0609020204030204" pitchFamily="49" charset="0"/>
+            </a:endParaRPr>
+          </a:p>
+        </p:txBody>
+      </p:sp>
+      <p:sp>
+        <p:nvSpPr>
+          <p:cNvPr id="3" name="TextBox 2">
+            <a:extLst>
+              <a:ext uri="{FF2B5EF4-FFF2-40B4-BE49-F238E27FC236}">
+                <a16:creationId xmlns:a16="http://schemas.microsoft.com/office/drawing/2014/main" id="{C4ED075A-6886-B649-A2DA-E2823EE24E4E}"/>
+              </a:ext>
+            </a:extLst>
+          </p:cNvPr>
+          <p:cNvSpPr txBox="1"/>
+          <p:nvPr/>
+        </p:nvSpPr>
+        <p:spPr>
+          <a:xfrm>
+            <a:off x="8552368" y="3469327"/>
+            <a:ext cx="944489" cy="369332"/>
+          </a:xfrm>
+          <a:prstGeom prst="rect">
+            <a:avLst/>
+          </a:prstGeom>
+          <a:noFill/>
+        </p:spPr>
+        <p:txBody>
+          <a:bodyPr wrap="none" rtlCol="0">
+            <a:spAutoFit/>
+          </a:bodyPr>
+          <a:lstStyle/>
+          <a:p>
+            <a:pPr algn="l"/>
+            <a:r>
+              <a:rPr lang="en-US" altLang="ko-KR">
+                <a:latin typeface="Consolas" panose="020B0609020204030204" pitchFamily="49" charset="0"/>
+              </a:rPr>
+              <a:t>xA=300</a:t>
+            </a:r>
+          </a:p>
+        </p:txBody>
+      </p:sp>
+      <p:sp>
+        <p:nvSpPr>
+          <p:cNvPr id="7" name="TextBox 6">
+            <a:extLst>
+              <a:ext uri="{FF2B5EF4-FFF2-40B4-BE49-F238E27FC236}">
+                <a16:creationId xmlns:a16="http://schemas.microsoft.com/office/drawing/2014/main" id="{DABE8582-2276-B1AE-0D1F-1C02B6084017}"/>
+              </a:ext>
+            </a:extLst>
+          </p:cNvPr>
+          <p:cNvSpPr txBox="1"/>
+          <p:nvPr/>
+        </p:nvSpPr>
+        <p:spPr>
+          <a:xfrm>
+            <a:off x="8552368" y="3745733"/>
+            <a:ext cx="691215" cy="369332"/>
+          </a:xfrm>
+          <a:prstGeom prst="rect">
+            <a:avLst/>
+          </a:prstGeom>
+          <a:noFill/>
+        </p:spPr>
+        <p:txBody>
+          <a:bodyPr wrap="none" rtlCol="0">
+            <a:spAutoFit/>
+          </a:bodyPr>
+          <a:lstStyle/>
+          <a:p>
+            <a:pPr algn="l"/>
+            <a:r>
+              <a:rPr lang="en-US" altLang="ko-KR">
+                <a:latin typeface="Consolas" panose="020B0609020204030204" pitchFamily="49" charset="0"/>
+              </a:rPr>
+              <a:t>yA=0</a:t>
+            </a:r>
+          </a:p>
+        </p:txBody>
+      </p:sp>
+      <p:sp>
+        <p:nvSpPr>
+          <p:cNvPr id="8" name="TextBox 7">
+            <a:extLst>
+              <a:ext uri="{FF2B5EF4-FFF2-40B4-BE49-F238E27FC236}">
+                <a16:creationId xmlns:a16="http://schemas.microsoft.com/office/drawing/2014/main" id="{A9B449B3-CDF2-19C5-89CF-B9A170CCF54E}"/>
+              </a:ext>
+            </a:extLst>
+          </p:cNvPr>
+          <p:cNvSpPr txBox="1"/>
+          <p:nvPr/>
+        </p:nvSpPr>
+        <p:spPr>
+          <a:xfrm>
+            <a:off x="8563252" y="4098793"/>
+            <a:ext cx="944489" cy="369332"/>
+          </a:xfrm>
+          <a:prstGeom prst="rect">
+            <a:avLst/>
+          </a:prstGeom>
+          <a:noFill/>
+        </p:spPr>
+        <p:txBody>
+          <a:bodyPr wrap="none" rtlCol="0">
+            <a:spAutoFit/>
+          </a:bodyPr>
+          <a:lstStyle/>
+          <a:p>
+            <a:pPr algn="l"/>
+            <a:r>
+              <a:rPr lang="en-US" altLang="ko-KR">
+                <a:latin typeface="Consolas" panose="020B0609020204030204" pitchFamily="49" charset="0"/>
+              </a:rPr>
+              <a:t>xB=199</a:t>
+            </a:r>
+          </a:p>
+        </p:txBody>
+      </p:sp>
+      <p:sp>
+        <p:nvSpPr>
+          <p:cNvPr id="9" name="TextBox 8">
+            <a:extLst>
+              <a:ext uri="{FF2B5EF4-FFF2-40B4-BE49-F238E27FC236}">
+                <a16:creationId xmlns:a16="http://schemas.microsoft.com/office/drawing/2014/main" id="{EF06E265-DEE3-F661-4177-7EF2762C9DF9}"/>
+              </a:ext>
+            </a:extLst>
+          </p:cNvPr>
+          <p:cNvSpPr txBox="1"/>
+          <p:nvPr/>
+        </p:nvSpPr>
+        <p:spPr>
+          <a:xfrm>
+            <a:off x="8563252" y="4375199"/>
+            <a:ext cx="944489" cy="369332"/>
+          </a:xfrm>
+          <a:prstGeom prst="rect">
+            <a:avLst/>
+          </a:prstGeom>
+          <a:noFill/>
+        </p:spPr>
+        <p:txBody>
+          <a:bodyPr wrap="none" rtlCol="0">
+            <a:spAutoFit/>
+          </a:bodyPr>
+          <a:lstStyle/>
+          <a:p>
+            <a:pPr algn="l"/>
+            <a:r>
+              <a:rPr lang="en-US" altLang="ko-KR">
+                <a:latin typeface="Consolas" panose="020B0609020204030204" pitchFamily="49" charset="0"/>
+              </a:rPr>
+              <a:t>yB=199</a:t>
+            </a:r>
           </a:p>
         </p:txBody>
       </p:sp>
@@ -5704,7 +6067,7 @@
         </p:nvSpPr>
         <p:spPr>
           <a:xfrm>
-            <a:off x="4898198" y="5022424"/>
+            <a:off x="4072589" y="4202896"/>
             <a:ext cx="962344" cy="962344"/>
           </a:xfrm>
           <a:prstGeom prst="rect">
@@ -5808,7 +6171,7 @@
         </p:nvSpPr>
         <p:spPr>
           <a:xfrm>
-            <a:off x="4853171" y="4988654"/>
+            <a:off x="4027562" y="4169126"/>
             <a:ext cx="112555" cy="112555"/>
           </a:xfrm>
           <a:prstGeom prst="ellipse">
@@ -5862,7 +6225,7 @@
         </p:nvSpPr>
         <p:spPr>
           <a:xfrm>
-            <a:off x="5793014" y="5924679"/>
+            <a:off x="4967405" y="5105151"/>
             <a:ext cx="112555" cy="112555"/>
           </a:xfrm>
           <a:prstGeom prst="ellipse">
@@ -5916,7 +6279,7 @@
         </p:nvSpPr>
         <p:spPr>
           <a:xfrm>
-            <a:off x="4262331" y="5378025"/>
+            <a:off x="4636904" y="4434294"/>
             <a:ext cx="969942" cy="518262"/>
           </a:xfrm>
           <a:prstGeom prst="rect">
@@ -6052,7 +6415,7 @@
         </p:nvSpPr>
         <p:spPr>
           <a:xfrm>
-            <a:off x="4853955" y="4984758"/>
+            <a:off x="4841922" y="4980948"/>
             <a:ext cx="112555" cy="112555"/>
           </a:xfrm>
           <a:prstGeom prst="ellipse">
@@ -6147,8 +6510,8 @@
         </p:nvSpPr>
         <p:spPr>
           <a:xfrm>
-            <a:off x="4935135" y="4661114"/>
-            <a:ext cx="1324402" cy="369332"/>
+            <a:off x="4035961" y="4150386"/>
+            <a:ext cx="1197764" cy="369332"/>
           </a:xfrm>
           <a:prstGeom prst="rect">
             <a:avLst/>
@@ -6166,7 +6529,7 @@
               <a:rPr lang="en-US" altLang="ko-KR">
                 <a:latin typeface="Consolas" panose="020B0609020204030204" pitchFamily="49" charset="0"/>
               </a:rPr>
-              <a:t>(200,200)</a:t>
+              <a:t>(10, 10)</a:t>
             </a:r>
             <a:endParaRPr lang="ko-KR" altLang="en-US">
               <a:latin typeface="Consolas" panose="020B0609020204030204" pitchFamily="49" charset="0"/>
@@ -6188,7 +6551,7 @@
         </p:nvSpPr>
         <p:spPr>
           <a:xfrm>
-            <a:off x="5904785" y="5796290"/>
+            <a:off x="4683213" y="5127787"/>
             <a:ext cx="1324402" cy="369332"/>
           </a:xfrm>
           <a:prstGeom prst="rect">
@@ -6207,7 +6570,7 @@
               <a:rPr lang="en-US" altLang="ko-KR">
                 <a:latin typeface="Consolas" panose="020B0609020204030204" pitchFamily="49" charset="0"/>
               </a:rPr>
-              <a:t>(400,400)</a:t>
+              <a:t>(209,209)</a:t>
             </a:r>
             <a:endParaRPr lang="ko-KR" altLang="en-US">
               <a:latin typeface="Consolas" panose="020B0609020204030204" pitchFamily="49" charset="0"/>
@@ -6229,8 +6592,8 @@
         </p:nvSpPr>
         <p:spPr>
           <a:xfrm>
-            <a:off x="6815174" y="4559865"/>
-            <a:ext cx="2464136" cy="369332"/>
+            <a:off x="5775989" y="4301870"/>
+            <a:ext cx="1324402" cy="369332"/>
           </a:xfrm>
           <a:prstGeom prst="rect">
             <a:avLst/>
@@ -6248,7 +6611,7 @@
               <a:rPr lang="en-US" altLang="ko-KR">
                 <a:latin typeface="Consolas" panose="020B0609020204030204" pitchFamily="49" charset="0"/>
               </a:rPr>
-              <a:t>iou = 0.0000123...</a:t>
+              <a:t>iou = 0.0</a:t>
             </a:r>
             <a:endParaRPr lang="ko-KR" altLang="en-US">
               <a:latin typeface="Consolas" panose="020B0609020204030204" pitchFamily="49" charset="0"/>
@@ -6256,10 +6619,203 @@
           </a:p>
         </p:txBody>
       </p:sp>
+      <p:sp>
+        <p:nvSpPr>
+          <p:cNvPr id="2" name="TextBox 1">
+            <a:extLst>
+              <a:ext uri="{FF2B5EF4-FFF2-40B4-BE49-F238E27FC236}">
+                <a16:creationId xmlns:a16="http://schemas.microsoft.com/office/drawing/2014/main" id="{D56BBD1F-E2A2-3D54-5E77-B55667409B4B}"/>
+              </a:ext>
+            </a:extLst>
+          </p:cNvPr>
+          <p:cNvSpPr txBox="1"/>
+          <p:nvPr/>
+        </p:nvSpPr>
+        <p:spPr>
+          <a:xfrm>
+            <a:off x="4208045" y="4723335"/>
+            <a:ext cx="1324402" cy="369332"/>
+          </a:xfrm>
+          <a:prstGeom prst="rect">
+            <a:avLst/>
+          </a:prstGeom>
+          <a:noFill/>
+        </p:spPr>
+        <p:txBody>
+          <a:bodyPr wrap="none" rtlCol="0">
+            <a:spAutoFit/>
+          </a:bodyPr>
+          <a:lstStyle/>
+          <a:p>
+            <a:pPr algn="l"/>
+            <a:r>
+              <a:rPr lang="en-US" altLang="ko-KR">
+                <a:latin typeface="Consolas" panose="020B0609020204030204" pitchFamily="49" charset="0"/>
+              </a:rPr>
+              <a:t>(199,199)</a:t>
+            </a:r>
+            <a:endParaRPr lang="ko-KR" altLang="en-US">
+              <a:latin typeface="Consolas" panose="020B0609020204030204" pitchFamily="49" charset="0"/>
+            </a:endParaRPr>
+          </a:p>
+        </p:txBody>
+      </p:sp>
+      <p:sp>
+        <p:nvSpPr>
+          <p:cNvPr id="3" name="TextBox 2">
+            <a:extLst>
+              <a:ext uri="{FF2B5EF4-FFF2-40B4-BE49-F238E27FC236}">
+                <a16:creationId xmlns:a16="http://schemas.microsoft.com/office/drawing/2014/main" id="{C4ED075A-6886-B649-A2DA-E2823EE24E4E}"/>
+              </a:ext>
+            </a:extLst>
+          </p:cNvPr>
+          <p:cNvSpPr txBox="1"/>
+          <p:nvPr/>
+        </p:nvSpPr>
+        <p:spPr>
+          <a:xfrm>
+            <a:off x="8552368" y="3469327"/>
+            <a:ext cx="817853" cy="369332"/>
+          </a:xfrm>
+          <a:prstGeom prst="rect">
+            <a:avLst/>
+          </a:prstGeom>
+          <a:noFill/>
+        </p:spPr>
+        <p:txBody>
+          <a:bodyPr wrap="none" rtlCol="0">
+            <a:spAutoFit/>
+          </a:bodyPr>
+          <a:lstStyle/>
+          <a:p>
+            <a:pPr algn="l"/>
+            <a:r>
+              <a:rPr lang="en-US" altLang="ko-KR">
+                <a:latin typeface="Consolas" panose="020B0609020204030204" pitchFamily="49" charset="0"/>
+              </a:rPr>
+              <a:t>xA=10</a:t>
+            </a:r>
+          </a:p>
+        </p:txBody>
+      </p:sp>
+      <p:sp>
+        <p:nvSpPr>
+          <p:cNvPr id="7" name="TextBox 6">
+            <a:extLst>
+              <a:ext uri="{FF2B5EF4-FFF2-40B4-BE49-F238E27FC236}">
+                <a16:creationId xmlns:a16="http://schemas.microsoft.com/office/drawing/2014/main" id="{DABE8582-2276-B1AE-0D1F-1C02B6084017}"/>
+              </a:ext>
+            </a:extLst>
+          </p:cNvPr>
+          <p:cNvSpPr txBox="1"/>
+          <p:nvPr/>
+        </p:nvSpPr>
+        <p:spPr>
+          <a:xfrm>
+            <a:off x="8552368" y="3745733"/>
+            <a:ext cx="817853" cy="369332"/>
+          </a:xfrm>
+          <a:prstGeom prst="rect">
+            <a:avLst/>
+          </a:prstGeom>
+          <a:noFill/>
+        </p:spPr>
+        <p:txBody>
+          <a:bodyPr wrap="none" rtlCol="0">
+            <a:spAutoFit/>
+          </a:bodyPr>
+          <a:lstStyle/>
+          <a:p>
+            <a:pPr algn="l"/>
+            <a:r>
+              <a:rPr lang="en-US" altLang="ko-KR">
+                <a:latin typeface="Consolas" panose="020B0609020204030204" pitchFamily="49" charset="0"/>
+              </a:rPr>
+              <a:t>yA=10</a:t>
+            </a:r>
+          </a:p>
+        </p:txBody>
+      </p:sp>
+      <p:sp>
+        <p:nvSpPr>
+          <p:cNvPr id="8" name="TextBox 7">
+            <a:extLst>
+              <a:ext uri="{FF2B5EF4-FFF2-40B4-BE49-F238E27FC236}">
+                <a16:creationId xmlns:a16="http://schemas.microsoft.com/office/drawing/2014/main" id="{A9B449B3-CDF2-19C5-89CF-B9A170CCF54E}"/>
+              </a:ext>
+            </a:extLst>
+          </p:cNvPr>
+          <p:cNvSpPr txBox="1"/>
+          <p:nvPr/>
+        </p:nvSpPr>
+        <p:spPr>
+          <a:xfrm>
+            <a:off x="8563252" y="4098793"/>
+            <a:ext cx="944489" cy="369332"/>
+          </a:xfrm>
+          <a:prstGeom prst="rect">
+            <a:avLst/>
+          </a:prstGeom>
+          <a:noFill/>
+        </p:spPr>
+        <p:txBody>
+          <a:bodyPr wrap="none" rtlCol="0">
+            <a:spAutoFit/>
+          </a:bodyPr>
+          <a:lstStyle/>
+          <a:p>
+            <a:pPr algn="l"/>
+            <a:r>
+              <a:rPr lang="en-US" altLang="ko-KR">
+                <a:latin typeface="Consolas" panose="020B0609020204030204" pitchFamily="49" charset="0"/>
+              </a:rPr>
+              <a:t>xB=199</a:t>
+            </a:r>
+          </a:p>
+        </p:txBody>
+      </p:sp>
+      <p:sp>
+        <p:nvSpPr>
+          <p:cNvPr id="9" name="TextBox 8">
+            <a:extLst>
+              <a:ext uri="{FF2B5EF4-FFF2-40B4-BE49-F238E27FC236}">
+                <a16:creationId xmlns:a16="http://schemas.microsoft.com/office/drawing/2014/main" id="{EF06E265-DEE3-F661-4177-7EF2762C9DF9}"/>
+              </a:ext>
+            </a:extLst>
+          </p:cNvPr>
+          <p:cNvSpPr txBox="1"/>
+          <p:nvPr/>
+        </p:nvSpPr>
+        <p:spPr>
+          <a:xfrm>
+            <a:off x="8563252" y="4375199"/>
+            <a:ext cx="944489" cy="369332"/>
+          </a:xfrm>
+          <a:prstGeom prst="rect">
+            <a:avLst/>
+          </a:prstGeom>
+          <a:noFill/>
+        </p:spPr>
+        <p:txBody>
+          <a:bodyPr wrap="none" rtlCol="0">
+            <a:spAutoFit/>
+          </a:bodyPr>
+          <a:lstStyle/>
+          <a:p>
+            <a:pPr algn="l"/>
+            <a:r>
+              <a:rPr lang="en-US" altLang="ko-KR">
+                <a:latin typeface="Consolas" panose="020B0609020204030204" pitchFamily="49" charset="0"/>
+              </a:rPr>
+              <a:t>yB=199</a:t>
+            </a:r>
+          </a:p>
+        </p:txBody>
+      </p:sp>
     </p:spTree>
     <p:extLst>
       <p:ext uri="{BB962C8B-B14F-4D97-AF65-F5344CB8AC3E}">
-        <p14:creationId xmlns:p14="http://schemas.microsoft.com/office/powerpoint/2010/main" val="3611697145"/>
+        <p14:creationId xmlns:p14="http://schemas.microsoft.com/office/powerpoint/2010/main" val="3393524793"/>
       </p:ext>
     </p:extLst>
   </p:cSld>
@@ -7380,7 +7936,7 @@
               <a:rPr lang="en-US" altLang="ko-KR">
                 <a:latin typeface="Consolas" panose="020B0609020204030204" pitchFamily="49" charset="0"/>
               </a:rPr>
-              <a:t>   [100,200,350,300],</a:t>
+              <a:t>   [100 ,200, 350,300],</a:t>
             </a:r>
           </a:p>
           <a:p>
@@ -7389,15 +7945,15 @@
               <a:rPr lang="en-US" altLang="ko-KR">
                 <a:latin typeface="Consolas" panose="020B0609020204030204" pitchFamily="49" charset="0"/>
               </a:rPr>
-              <a:t>   [100,200,400,500],</a:t>
-            </a:r>
-          </a:p>
-          <a:p>
-            <a:r>
-              <a:rPr lang="en-US" altLang="ko-KR">
-                <a:latin typeface="Consolas" panose="020B0609020204030204" pitchFamily="49" charset="0"/>
-              </a:rPr>
-              <a:t>   [100,200,300,800],</a:t>
+              <a:t>   [100 ,200, 400,500],</a:t>
+            </a:r>
+          </a:p>
+          <a:p>
+            <a:r>
+              <a:rPr lang="en-US" altLang="ko-KR">
+                <a:latin typeface="Consolas" panose="020B0609020204030204" pitchFamily="49" charset="0"/>
+              </a:rPr>
+              <a:t>   [100 ,200, 300,800],</a:t>
             </a:r>
           </a:p>
           <a:p>
@@ -7440,10 +7996,10 @@
       </p:sp>
       <p:sp>
         <p:nvSpPr>
-          <p:cNvPr id="27" name="TextBox 26">
-            <a:extLst>
-              <a:ext uri="{FF2B5EF4-FFF2-40B4-BE49-F238E27FC236}">
-                <a16:creationId xmlns:a16="http://schemas.microsoft.com/office/drawing/2014/main" id="{9A5ACD07-A75F-AAF3-2326-3FC564EBFCD9}"/>
+          <p:cNvPr id="29" name="TextBox 28">
+            <a:extLst>
+              <a:ext uri="{FF2B5EF4-FFF2-40B4-BE49-F238E27FC236}">
+                <a16:creationId xmlns:a16="http://schemas.microsoft.com/office/drawing/2014/main" id="{85A34284-4EE8-0A33-BA6A-A60A34B67B4A}"/>
               </a:ext>
             </a:extLst>
           </p:cNvPr>
@@ -7452,8 +8008,8 @@
         </p:nvSpPr>
         <p:spPr>
           <a:xfrm>
-            <a:off x="3131669" y="5010530"/>
-            <a:ext cx="4110421" cy="1200329"/>
+            <a:off x="8237621" y="5903495"/>
+            <a:ext cx="1324402" cy="369332"/>
           </a:xfrm>
           <a:prstGeom prst="rect">
             <a:avLst/>
@@ -7471,34 +8027,7 @@
               <a:rPr lang="en-US" altLang="ko-KR">
                 <a:latin typeface="Consolas" panose="020B0609020204030204" pitchFamily="49" charset="0"/>
               </a:rPr>
-              <a:t>[ 100.  100.  100. 1000. 1000.]</a:t>
-            </a:r>
-          </a:p>
-          <a:p>
-            <a:pPr algn="l"/>
-            <a:r>
-              <a:rPr lang="en-US" altLang="ko-KR">
-                <a:latin typeface="Consolas" panose="020B0609020204030204" pitchFamily="49" charset="0"/>
-              </a:rPr>
-              <a:t>[200. 200. 200. 100. 100.]</a:t>
-            </a:r>
-          </a:p>
-          <a:p>
-            <a:pPr algn="l"/>
-            <a:r>
-              <a:rPr lang="en-US" altLang="ko-KR">
-                <a:latin typeface="Consolas" panose="020B0609020204030204" pitchFamily="49" charset="0"/>
-              </a:rPr>
-              <a:t>[ 350.  400.  300. 1150. 1200.]</a:t>
-            </a:r>
-          </a:p>
-          <a:p>
-            <a:pPr algn="l"/>
-            <a:r>
-              <a:rPr lang="en-US" altLang="ko-KR">
-                <a:latin typeface="Consolas" panose="020B0609020204030204" pitchFamily="49" charset="0"/>
-              </a:rPr>
-              <a:t>[300. 500. 800. 600. 700.]</a:t>
+              <a:t>(251,101)</a:t>
             </a:r>
             <a:endParaRPr lang="ko-KR" altLang="en-US">
               <a:latin typeface="Consolas" panose="020B0609020204030204" pitchFamily="49" charset="0"/>
@@ -7508,10 +8037,10 @@
       </p:sp>
       <p:sp>
         <p:nvSpPr>
-          <p:cNvPr id="29" name="TextBox 28">
-            <a:extLst>
-              <a:ext uri="{FF2B5EF4-FFF2-40B4-BE49-F238E27FC236}">
-                <a16:creationId xmlns:a16="http://schemas.microsoft.com/office/drawing/2014/main" id="{85A34284-4EE8-0A33-BA6A-A60A34B67B4A}"/>
+          <p:cNvPr id="5" name="TextBox 4">
+            <a:extLst>
+              <a:ext uri="{FF2B5EF4-FFF2-40B4-BE49-F238E27FC236}">
+                <a16:creationId xmlns:a16="http://schemas.microsoft.com/office/drawing/2014/main" id="{6F437D2B-018B-2654-F0C7-7B727E167B98}"/>
               </a:ext>
             </a:extLst>
           </p:cNvPr>
@@ -7520,8 +8049,8 @@
         </p:nvSpPr>
         <p:spPr>
           <a:xfrm>
-            <a:off x="8237621" y="5903495"/>
-            <a:ext cx="1324402" cy="369332"/>
+            <a:off x="1974508" y="2221961"/>
+            <a:ext cx="1830950" cy="369332"/>
           </a:xfrm>
           <a:prstGeom prst="rect">
             <a:avLst/>
@@ -7539,11 +8068,87 @@
               <a:rPr lang="en-US" altLang="ko-KR">
                 <a:latin typeface="Consolas" panose="020B0609020204030204" pitchFamily="49" charset="0"/>
               </a:rPr>
-              <a:t>(251,101)</a:t>
+              <a:t>(5,4) =&gt; (5,)</a:t>
             </a:r>
             <a:endParaRPr lang="ko-KR" altLang="en-US">
               <a:latin typeface="Consolas" panose="020B0609020204030204" pitchFamily="49" charset="0"/>
             </a:endParaRPr>
+          </a:p>
+        </p:txBody>
+      </p:sp>
+      <p:sp>
+        <p:nvSpPr>
+          <p:cNvPr id="8" name="TextBox 7">
+            <a:extLst>
+              <a:ext uri="{FF2B5EF4-FFF2-40B4-BE49-F238E27FC236}">
+                <a16:creationId xmlns:a16="http://schemas.microsoft.com/office/drawing/2014/main" id="{3B7311CE-1CAC-C9C4-AFA1-29A182306D94}"/>
+              </a:ext>
+            </a:extLst>
+          </p:cNvPr>
+          <p:cNvSpPr txBox="1"/>
+          <p:nvPr/>
+        </p:nvSpPr>
+        <p:spPr>
+          <a:xfrm>
+            <a:off x="3976918" y="4325812"/>
+            <a:ext cx="3350597" cy="369332"/>
+          </a:xfrm>
+          <a:prstGeom prst="rect">
+            <a:avLst/>
+          </a:prstGeom>
+          <a:noFill/>
+        </p:spPr>
+        <p:txBody>
+          <a:bodyPr wrap="none" rtlCol="0">
+            <a:spAutoFit/>
+          </a:bodyPr>
+          <a:lstStyle/>
+          <a:p>
+            <a:pPr algn="l"/>
+            <a:r>
+              <a:rPr lang="en-US" altLang="ko-KR">
+                <a:latin typeface="Consolas" panose="020B0609020204030204" pitchFamily="49" charset="0"/>
+              </a:rPr>
+              <a:t>[0.6, 0.7, 0.7, 0.8, 0.9]</a:t>
+            </a:r>
+          </a:p>
+        </p:txBody>
+      </p:sp>
+      <p:sp>
+        <p:nvSpPr>
+          <p:cNvPr id="12" name="TextBox 11">
+            <a:extLst>
+              <a:ext uri="{FF2B5EF4-FFF2-40B4-BE49-F238E27FC236}">
+                <a16:creationId xmlns:a16="http://schemas.microsoft.com/office/drawing/2014/main" id="{36DF534A-DCA1-4BF8-D873-60343F80412C}"/>
+              </a:ext>
+            </a:extLst>
+          </p:cNvPr>
+          <p:cNvSpPr txBox="1"/>
+          <p:nvPr/>
+        </p:nvSpPr>
+        <p:spPr>
+          <a:xfrm>
+            <a:off x="3976918" y="4707752"/>
+            <a:ext cx="2084225" cy="369332"/>
+          </a:xfrm>
+          <a:prstGeom prst="rect">
+            <a:avLst/>
+          </a:prstGeom>
+          <a:noFill/>
+        </p:spPr>
+        <p:txBody>
+          <a:bodyPr wrap="none" rtlCol="0">
+            <a:spAutoFit/>
+          </a:bodyPr>
+          <a:lstStyle/>
+          <a:p>
+            <a:pPr algn="l"/>
+            <a:r>
+              <a:rPr lang="en-US" altLang="ko-KR">
+                <a:latin typeface="Consolas" panose="020B0609020204030204" pitchFamily="49" charset="0"/>
+              </a:rPr>
+              <a:t>[0, 1, 3, 4, 2]</a:t>
+            </a:r>
           </a:p>
         </p:txBody>
       </p:sp>
@@ -7551,6 +8156,1622 @@
     <p:extLst>
       <p:ext uri="{BB962C8B-B14F-4D97-AF65-F5344CB8AC3E}">
         <p14:creationId xmlns:p14="http://schemas.microsoft.com/office/powerpoint/2010/main" val="2160024281"/>
+      </p:ext>
+    </p:extLst>
+  </p:cSld>
+  <p:clrMapOvr>
+    <a:masterClrMapping/>
+  </p:clrMapOvr>
+</p:sld>
+</file>
+
+<file path=ppt/slides/slide6.xml><?xml version="1.0" encoding="utf-8"?>
+<p:sld xmlns:a="http://schemas.openxmlformats.org/drawingml/2006/main" xmlns:r="http://schemas.openxmlformats.org/officeDocument/2006/relationships" xmlns:p="http://schemas.openxmlformats.org/presentationml/2006/main">
+  <p:cSld>
+    <p:spTree>
+      <p:nvGrpSpPr>
+        <p:cNvPr id="1" name=""/>
+        <p:cNvGrpSpPr/>
+        <p:nvPr/>
+      </p:nvGrpSpPr>
+      <p:grpSpPr>
+        <a:xfrm>
+          <a:off x="0" y="0"/>
+          <a:ext cx="0" cy="0"/>
+          <a:chOff x="0" y="0"/>
+          <a:chExt cx="0" cy="0"/>
+        </a:xfrm>
+      </p:grpSpPr>
+      <p:sp>
+        <p:nvSpPr>
+          <p:cNvPr id="7" name="직사각형 6">
+            <a:extLst>
+              <a:ext uri="{FF2B5EF4-FFF2-40B4-BE49-F238E27FC236}">
+                <a16:creationId xmlns:a16="http://schemas.microsoft.com/office/drawing/2014/main" id="{576302CC-4B4B-ADFD-594C-0844B34BB109}"/>
+              </a:ext>
+            </a:extLst>
+          </p:cNvPr>
+          <p:cNvSpPr/>
+          <p:nvPr/>
+        </p:nvSpPr>
+        <p:spPr>
+          <a:xfrm>
+            <a:off x="7708516" y="3130216"/>
+            <a:ext cx="3785936" cy="2530642"/>
+          </a:xfrm>
+          <a:prstGeom prst="rect">
+            <a:avLst/>
+          </a:prstGeom>
+          <a:solidFill>
+            <a:schemeClr val="bg1">
+              <a:lumMod val="85000"/>
+            </a:schemeClr>
+          </a:solidFill>
+        </p:spPr>
+        <p:style>
+          <a:lnRef idx="2">
+            <a:schemeClr val="accent1">
+              <a:shade val="50000"/>
+            </a:schemeClr>
+          </a:lnRef>
+          <a:fillRef idx="1">
+            <a:schemeClr val="accent1"/>
+          </a:fillRef>
+          <a:effectRef idx="0">
+            <a:schemeClr val="accent1"/>
+          </a:effectRef>
+          <a:fontRef idx="minor">
+            <a:schemeClr val="lt1"/>
+          </a:fontRef>
+        </p:style>
+        <p:txBody>
+          <a:bodyPr rtlCol="0" anchor="ctr"/>
+          <a:lstStyle/>
+          <a:p>
+            <a:pPr algn="ctr"/>
+            <a:endParaRPr lang="ko-KR" altLang="en-US"/>
+          </a:p>
+        </p:txBody>
+      </p:sp>
+      <p:sp>
+        <p:nvSpPr>
+          <p:cNvPr id="6" name="TextBox 5">
+            <a:extLst>
+              <a:ext uri="{FF2B5EF4-FFF2-40B4-BE49-F238E27FC236}">
+                <a16:creationId xmlns:a16="http://schemas.microsoft.com/office/drawing/2014/main" id="{770862F5-D2E0-70CE-52E9-8155F35F41DE}"/>
+              </a:ext>
+            </a:extLst>
+          </p:cNvPr>
+          <p:cNvSpPr txBox="1"/>
+          <p:nvPr/>
+        </p:nvSpPr>
+        <p:spPr>
+          <a:xfrm>
+            <a:off x="134536" y="-57211"/>
+            <a:ext cx="6407523" cy="4278094"/>
+          </a:xfrm>
+          <a:prstGeom prst="rect">
+            <a:avLst/>
+          </a:prstGeom>
+          <a:noFill/>
+        </p:spPr>
+        <p:txBody>
+          <a:bodyPr wrap="none" rtlCol="0">
+            <a:spAutoFit/>
+          </a:bodyPr>
+          <a:lstStyle/>
+          <a:p>
+            <a:r>
+              <a:rPr lang="en-US" altLang="ko-KR" sz="1600">
+                <a:latin typeface="Consolas" panose="020B0609020204030204" pitchFamily="49" charset="0"/>
+              </a:rPr>
+              <a:t>while len(idxs) &gt; 0:</a:t>
+            </a:r>
+          </a:p>
+          <a:p>
+            <a:r>
+              <a:rPr lang="en-US" altLang="ko-KR" sz="1600">
+                <a:latin typeface="Consolas" panose="020B0609020204030204" pitchFamily="49" charset="0"/>
+              </a:rPr>
+              <a:t>    last = len(idxs) - 1</a:t>
+            </a:r>
+          </a:p>
+          <a:p>
+            <a:r>
+              <a:rPr lang="en-US" altLang="ko-KR" sz="1600">
+                <a:latin typeface="Consolas" panose="020B0609020204030204" pitchFamily="49" charset="0"/>
+              </a:rPr>
+              <a:t>    i = idxs[last]</a:t>
+            </a:r>
+          </a:p>
+          <a:p>
+            <a:r>
+              <a:rPr lang="en-US" altLang="ko-KR" sz="1600">
+                <a:latin typeface="Consolas" panose="020B0609020204030204" pitchFamily="49" charset="0"/>
+              </a:rPr>
+              <a:t>    pick.append(i)</a:t>
+            </a:r>
+          </a:p>
+          <a:p>
+            <a:endParaRPr lang="en-US" altLang="ko-KR" sz="1600">
+              <a:latin typeface="Consolas" panose="020B0609020204030204" pitchFamily="49" charset="0"/>
+            </a:endParaRPr>
+          </a:p>
+          <a:p>
+            <a:r>
+              <a:rPr lang="en-US" altLang="ko-KR" sz="1600">
+                <a:latin typeface="Consolas" panose="020B0609020204030204" pitchFamily="49" charset="0"/>
+              </a:rPr>
+              <a:t>    xx1 = np.maximum(x1[i], x1[idxs[:last]])</a:t>
+            </a:r>
+          </a:p>
+          <a:p>
+            <a:r>
+              <a:rPr lang="en-US" altLang="ko-KR" sz="1600">
+                <a:latin typeface="Consolas" panose="020B0609020204030204" pitchFamily="49" charset="0"/>
+              </a:rPr>
+              <a:t>    yy1 = np.maximum(y1[i], y1[idxs[:last]])</a:t>
+            </a:r>
+          </a:p>
+          <a:p>
+            <a:r>
+              <a:rPr lang="en-US" altLang="ko-KR" sz="1600">
+                <a:latin typeface="Consolas" panose="020B0609020204030204" pitchFamily="49" charset="0"/>
+              </a:rPr>
+              <a:t>    xx2 = np.minimum(x2[i], x2[idxs[:last]])</a:t>
+            </a:r>
+          </a:p>
+          <a:p>
+            <a:r>
+              <a:rPr lang="en-US" altLang="ko-KR" sz="1600">
+                <a:latin typeface="Consolas" panose="020B0609020204030204" pitchFamily="49" charset="0"/>
+              </a:rPr>
+              <a:t>    yy2 = np.minimum(y2[i], y2[idxs[:last]])</a:t>
+            </a:r>
+          </a:p>
+          <a:p>
+            <a:endParaRPr lang="en-US" altLang="ko-KR" sz="1600">
+              <a:latin typeface="Consolas" panose="020B0609020204030204" pitchFamily="49" charset="0"/>
+            </a:endParaRPr>
+          </a:p>
+          <a:p>
+            <a:r>
+              <a:rPr lang="en-US" altLang="ko-KR" sz="1600">
+                <a:latin typeface="Consolas" panose="020B0609020204030204" pitchFamily="49" charset="0"/>
+              </a:rPr>
+              <a:t>    w = np.maximum(0, xx2 - xx1 + 1)</a:t>
+            </a:r>
+          </a:p>
+          <a:p>
+            <a:r>
+              <a:rPr lang="en-US" altLang="ko-KR" sz="1600">
+                <a:latin typeface="Consolas" panose="020B0609020204030204" pitchFamily="49" charset="0"/>
+              </a:rPr>
+              <a:t>    h = np.maximum(0, yy2 - yy1 + 1)</a:t>
+            </a:r>
+          </a:p>
+          <a:p>
+            <a:endParaRPr lang="en-US" altLang="ko-KR" sz="1600">
+              <a:latin typeface="Consolas" panose="020B0609020204030204" pitchFamily="49" charset="0"/>
+            </a:endParaRPr>
+          </a:p>
+          <a:p>
+            <a:r>
+              <a:rPr lang="en-US" altLang="ko-KR" sz="1600">
+                <a:latin typeface="Consolas" panose="020B0609020204030204" pitchFamily="49" charset="0"/>
+              </a:rPr>
+              <a:t>    overlap = (w * h) / area[idxs[:last]]</a:t>
+            </a:r>
+          </a:p>
+          <a:p>
+            <a:endParaRPr lang="en-US" altLang="ko-KR" sz="1600">
+              <a:latin typeface="Consolas" panose="020B0609020204030204" pitchFamily="49" charset="0"/>
+            </a:endParaRPr>
+          </a:p>
+          <a:p>
+            <a:r>
+              <a:rPr lang="en-US" altLang="ko-KR" sz="1600">
+                <a:latin typeface="Consolas" panose="020B0609020204030204" pitchFamily="49" charset="0"/>
+              </a:rPr>
+              <a:t>    idxs = np.delete(idxs, np.concatenate(([last],</a:t>
+            </a:r>
+          </a:p>
+          <a:p>
+            <a:r>
+              <a:rPr lang="en-US" altLang="ko-KR" sz="1600">
+                <a:latin typeface="Consolas" panose="020B0609020204030204" pitchFamily="49" charset="0"/>
+              </a:rPr>
+              <a:t>		np.where(overlap &gt; overlapThresh)[0])))</a:t>
+            </a:r>
+            <a:endParaRPr lang="ko-KR" altLang="en-US" sz="1600">
+              <a:latin typeface="Consolas" panose="020B0609020204030204" pitchFamily="49" charset="0"/>
+            </a:endParaRPr>
+          </a:p>
+        </p:txBody>
+      </p:sp>
+      <p:sp>
+        <p:nvSpPr>
+          <p:cNvPr id="4" name="TextBox 3">
+            <a:extLst>
+              <a:ext uri="{FF2B5EF4-FFF2-40B4-BE49-F238E27FC236}">
+                <a16:creationId xmlns:a16="http://schemas.microsoft.com/office/drawing/2014/main" id="{BC2E1B4C-F6FD-7FB0-0437-C7CA94C0AC2E}"/>
+              </a:ext>
+            </a:extLst>
+          </p:cNvPr>
+          <p:cNvSpPr txBox="1"/>
+          <p:nvPr/>
+        </p:nvSpPr>
+        <p:spPr>
+          <a:xfrm>
+            <a:off x="7579868" y="3603562"/>
+            <a:ext cx="1079142" cy="307777"/>
+          </a:xfrm>
+          <a:prstGeom prst="rect">
+            <a:avLst/>
+          </a:prstGeom>
+          <a:noFill/>
+        </p:spPr>
+        <p:txBody>
+          <a:bodyPr wrap="none" rtlCol="0">
+            <a:spAutoFit/>
+          </a:bodyPr>
+          <a:lstStyle/>
+          <a:p>
+            <a:pPr algn="l"/>
+            <a:r>
+              <a:rPr lang="en-US" altLang="ko-KR" sz="1400">
+                <a:latin typeface="Consolas" panose="020B0609020204030204" pitchFamily="49" charset="0"/>
+              </a:rPr>
+              <a:t>(100,200)</a:t>
+            </a:r>
+            <a:endParaRPr lang="ko-KR" altLang="en-US" sz="1400">
+              <a:latin typeface="Consolas" panose="020B0609020204030204" pitchFamily="49" charset="0"/>
+            </a:endParaRPr>
+          </a:p>
+        </p:txBody>
+      </p:sp>
+      <p:pic>
+        <p:nvPicPr>
+          <p:cNvPr id="2" name="그림 1">
+            <a:extLst>
+              <a:ext uri="{FF2B5EF4-FFF2-40B4-BE49-F238E27FC236}">
+                <a16:creationId xmlns:a16="http://schemas.microsoft.com/office/drawing/2014/main" id="{FC04459F-4491-6FB2-76E6-5F469EC0A7D3}"/>
+              </a:ext>
+            </a:extLst>
+          </p:cNvPr>
+          <p:cNvPicPr>
+            <a:picLocks noChangeAspect="1"/>
+          </p:cNvPicPr>
+          <p:nvPr/>
+        </p:nvPicPr>
+        <p:blipFill rotWithShape="1">
+          <a:blip r:embed="rId2"/>
+          <a:srcRect l="29109" t="31008" r="55502"/>
+          <a:stretch/>
+        </p:blipFill>
+        <p:spPr>
+          <a:xfrm>
+            <a:off x="8034740" y="3920290"/>
+            <a:ext cx="524007" cy="1647627"/>
+          </a:xfrm>
+          <a:prstGeom prst="rect">
+            <a:avLst/>
+          </a:prstGeom>
+        </p:spPr>
+      </p:pic>
+      <p:pic>
+        <p:nvPicPr>
+          <p:cNvPr id="3" name="그림 2">
+            <a:extLst>
+              <a:ext uri="{FF2B5EF4-FFF2-40B4-BE49-F238E27FC236}">
+                <a16:creationId xmlns:a16="http://schemas.microsoft.com/office/drawing/2014/main" id="{C7B1B926-0E30-2788-06FE-EEC6746B99AE}"/>
+              </a:ext>
+            </a:extLst>
+          </p:cNvPr>
+          <p:cNvPicPr>
+            <a:picLocks noChangeAspect="1"/>
+          </p:cNvPicPr>
+          <p:nvPr/>
+        </p:nvPicPr>
+        <p:blipFill rotWithShape="1">
+          <a:blip r:embed="rId2"/>
+          <a:srcRect l="48292" t="9173" r="28975"/>
+          <a:stretch/>
+        </p:blipFill>
+        <p:spPr>
+          <a:xfrm>
+            <a:off x="10339420" y="3398869"/>
+            <a:ext cx="774031" cy="2169048"/>
+          </a:xfrm>
+          <a:prstGeom prst="rect">
+            <a:avLst/>
+          </a:prstGeom>
+        </p:spPr>
+      </p:pic>
+      <p:sp>
+        <p:nvSpPr>
+          <p:cNvPr id="31" name="직사각형 30">
+            <a:extLst>
+              <a:ext uri="{FF2B5EF4-FFF2-40B4-BE49-F238E27FC236}">
+                <a16:creationId xmlns:a16="http://schemas.microsoft.com/office/drawing/2014/main" id="{D0FE656D-C657-4943-9B16-406840657C6E}"/>
+              </a:ext>
+            </a:extLst>
+          </p:cNvPr>
+          <p:cNvSpPr/>
+          <p:nvPr/>
+        </p:nvSpPr>
+        <p:spPr>
+          <a:xfrm>
+            <a:off x="8011345" y="3878505"/>
+            <a:ext cx="651676" cy="1605890"/>
+          </a:xfrm>
+          <a:prstGeom prst="rect">
+            <a:avLst/>
+          </a:prstGeom>
+          <a:noFill/>
+          <a:ln w="28575">
+            <a:solidFill>
+              <a:srgbClr val="FFFF00"/>
+            </a:solidFill>
+          </a:ln>
+        </p:spPr>
+        <p:style>
+          <a:lnRef idx="2">
+            <a:schemeClr val="accent1">
+              <a:shade val="50000"/>
+            </a:schemeClr>
+          </a:lnRef>
+          <a:fillRef idx="1">
+            <a:schemeClr val="accent1"/>
+          </a:fillRef>
+          <a:effectRef idx="0">
+            <a:schemeClr val="accent1"/>
+          </a:effectRef>
+          <a:fontRef idx="minor">
+            <a:schemeClr val="lt1"/>
+          </a:fontRef>
+        </p:style>
+        <p:txBody>
+          <a:bodyPr rtlCol="0" anchor="ctr"/>
+          <a:lstStyle/>
+          <a:p>
+            <a:pPr algn="ctr"/>
+            <a:endParaRPr lang="ko-KR" altLang="en-US"/>
+          </a:p>
+        </p:txBody>
+      </p:sp>
+      <p:sp>
+        <p:nvSpPr>
+          <p:cNvPr id="9" name="직사각형 8">
+            <a:extLst>
+              <a:ext uri="{FF2B5EF4-FFF2-40B4-BE49-F238E27FC236}">
+                <a16:creationId xmlns:a16="http://schemas.microsoft.com/office/drawing/2014/main" id="{7ABFD426-9783-94FB-5563-C403CDA94F88}"/>
+              </a:ext>
+            </a:extLst>
+          </p:cNvPr>
+          <p:cNvSpPr/>
+          <p:nvPr/>
+        </p:nvSpPr>
+        <p:spPr>
+          <a:xfrm>
+            <a:off x="8009516" y="3887488"/>
+            <a:ext cx="866064" cy="475896"/>
+          </a:xfrm>
+          <a:prstGeom prst="rect">
+            <a:avLst/>
+          </a:prstGeom>
+          <a:noFill/>
+          <a:ln>
+            <a:solidFill>
+              <a:srgbClr val="00B050"/>
+            </a:solidFill>
+          </a:ln>
+        </p:spPr>
+        <p:style>
+          <a:lnRef idx="2">
+            <a:schemeClr val="accent1">
+              <a:shade val="50000"/>
+            </a:schemeClr>
+          </a:lnRef>
+          <a:fillRef idx="1">
+            <a:schemeClr val="accent1"/>
+          </a:fillRef>
+          <a:effectRef idx="0">
+            <a:schemeClr val="accent1"/>
+          </a:effectRef>
+          <a:fontRef idx="minor">
+            <a:schemeClr val="lt1"/>
+          </a:fontRef>
+        </p:style>
+        <p:txBody>
+          <a:bodyPr rtlCol="0" anchor="ctr"/>
+          <a:lstStyle/>
+          <a:p>
+            <a:pPr algn="ctr"/>
+            <a:endParaRPr lang="ko-KR" altLang="en-US"/>
+          </a:p>
+        </p:txBody>
+      </p:sp>
+      <p:sp>
+        <p:nvSpPr>
+          <p:cNvPr id="10" name="직사각형 9">
+            <a:extLst>
+              <a:ext uri="{FF2B5EF4-FFF2-40B4-BE49-F238E27FC236}">
+                <a16:creationId xmlns:a16="http://schemas.microsoft.com/office/drawing/2014/main" id="{3B9C11D1-83B5-A577-C155-DAB87E9D3C9A}"/>
+              </a:ext>
+            </a:extLst>
+          </p:cNvPr>
+          <p:cNvSpPr/>
+          <p:nvPr/>
+        </p:nvSpPr>
+        <p:spPr>
+          <a:xfrm>
+            <a:off x="8011345" y="3878505"/>
+            <a:ext cx="1048906" cy="843889"/>
+          </a:xfrm>
+          <a:prstGeom prst="rect">
+            <a:avLst/>
+          </a:prstGeom>
+          <a:noFill/>
+          <a:ln>
+            <a:solidFill>
+              <a:srgbClr val="00B050"/>
+            </a:solidFill>
+          </a:ln>
+        </p:spPr>
+        <p:style>
+          <a:lnRef idx="2">
+            <a:schemeClr val="accent1">
+              <a:shade val="50000"/>
+            </a:schemeClr>
+          </a:lnRef>
+          <a:fillRef idx="1">
+            <a:schemeClr val="accent1"/>
+          </a:fillRef>
+          <a:effectRef idx="0">
+            <a:schemeClr val="accent1"/>
+          </a:effectRef>
+          <a:fontRef idx="minor">
+            <a:schemeClr val="lt1"/>
+          </a:fontRef>
+        </p:style>
+        <p:txBody>
+          <a:bodyPr rtlCol="0" anchor="ctr"/>
+          <a:lstStyle/>
+          <a:p>
+            <a:pPr algn="ctr"/>
+            <a:endParaRPr lang="ko-KR" altLang="en-US"/>
+          </a:p>
+        </p:txBody>
+      </p:sp>
+      <p:sp>
+        <p:nvSpPr>
+          <p:cNvPr id="11" name="직사각형 10">
+            <a:extLst>
+              <a:ext uri="{FF2B5EF4-FFF2-40B4-BE49-F238E27FC236}">
+                <a16:creationId xmlns:a16="http://schemas.microsoft.com/office/drawing/2014/main" id="{A18CC5DB-4D74-D96B-146E-D4CA8F9CA524}"/>
+              </a:ext>
+            </a:extLst>
+          </p:cNvPr>
+          <p:cNvSpPr/>
+          <p:nvPr/>
+        </p:nvSpPr>
+        <p:spPr>
+          <a:xfrm>
+            <a:off x="10339418" y="3398869"/>
+            <a:ext cx="774031" cy="1872968"/>
+          </a:xfrm>
+          <a:prstGeom prst="rect">
+            <a:avLst/>
+          </a:prstGeom>
+          <a:noFill/>
+          <a:ln w="38100">
+            <a:solidFill>
+              <a:srgbClr val="FFFF00"/>
+            </a:solidFill>
+          </a:ln>
+        </p:spPr>
+        <p:style>
+          <a:lnRef idx="2">
+            <a:schemeClr val="accent1">
+              <a:shade val="50000"/>
+            </a:schemeClr>
+          </a:lnRef>
+          <a:fillRef idx="1">
+            <a:schemeClr val="accent1"/>
+          </a:fillRef>
+          <a:effectRef idx="0">
+            <a:schemeClr val="accent1"/>
+          </a:effectRef>
+          <a:fontRef idx="minor">
+            <a:schemeClr val="lt1"/>
+          </a:fontRef>
+        </p:style>
+        <p:txBody>
+          <a:bodyPr rtlCol="0" anchor="ctr"/>
+          <a:lstStyle/>
+          <a:p>
+            <a:pPr algn="ctr"/>
+            <a:endParaRPr lang="ko-KR" altLang="en-US"/>
+          </a:p>
+        </p:txBody>
+      </p:sp>
+      <p:sp>
+        <p:nvSpPr>
+          <p:cNvPr id="13" name="직사각형 12">
+            <a:extLst>
+              <a:ext uri="{FF2B5EF4-FFF2-40B4-BE49-F238E27FC236}">
+                <a16:creationId xmlns:a16="http://schemas.microsoft.com/office/drawing/2014/main" id="{E6891B8B-901D-EEFC-1899-D3C614D2C49D}"/>
+              </a:ext>
+            </a:extLst>
+          </p:cNvPr>
+          <p:cNvSpPr/>
+          <p:nvPr/>
+        </p:nvSpPr>
+        <p:spPr>
+          <a:xfrm>
+            <a:off x="10339541" y="3405674"/>
+            <a:ext cx="651676" cy="1605890"/>
+          </a:xfrm>
+          <a:prstGeom prst="rect">
+            <a:avLst/>
+          </a:prstGeom>
+          <a:noFill/>
+          <a:ln>
+            <a:solidFill>
+              <a:srgbClr val="00B050"/>
+            </a:solidFill>
+          </a:ln>
+        </p:spPr>
+        <p:style>
+          <a:lnRef idx="2">
+            <a:schemeClr val="accent1">
+              <a:shade val="50000"/>
+            </a:schemeClr>
+          </a:lnRef>
+          <a:fillRef idx="1">
+            <a:schemeClr val="accent1"/>
+          </a:fillRef>
+          <a:effectRef idx="0">
+            <a:schemeClr val="accent1"/>
+          </a:effectRef>
+          <a:fontRef idx="minor">
+            <a:schemeClr val="lt1"/>
+          </a:fontRef>
+        </p:style>
+        <p:txBody>
+          <a:bodyPr rtlCol="0" anchor="ctr"/>
+          <a:lstStyle/>
+          <a:p>
+            <a:pPr algn="ctr"/>
+            <a:endParaRPr lang="ko-KR" altLang="en-US"/>
+          </a:p>
+        </p:txBody>
+      </p:sp>
+      <p:sp>
+        <p:nvSpPr>
+          <p:cNvPr id="14" name="TextBox 13">
+            <a:extLst>
+              <a:ext uri="{FF2B5EF4-FFF2-40B4-BE49-F238E27FC236}">
+                <a16:creationId xmlns:a16="http://schemas.microsoft.com/office/drawing/2014/main" id="{EF2C1C8F-B74B-7FA5-B7F7-39E413116A62}"/>
+              </a:ext>
+            </a:extLst>
+          </p:cNvPr>
+          <p:cNvSpPr txBox="1"/>
+          <p:nvPr/>
+        </p:nvSpPr>
+        <p:spPr>
+          <a:xfrm>
+            <a:off x="8520680" y="5376388"/>
+            <a:ext cx="1079142" cy="307777"/>
+          </a:xfrm>
+          <a:prstGeom prst="rect">
+            <a:avLst/>
+          </a:prstGeom>
+          <a:noFill/>
+        </p:spPr>
+        <p:txBody>
+          <a:bodyPr wrap="none" rtlCol="0">
+            <a:spAutoFit/>
+          </a:bodyPr>
+          <a:lstStyle/>
+          <a:p>
+            <a:pPr algn="l"/>
+            <a:r>
+              <a:rPr lang="en-US" altLang="ko-KR" sz="1400">
+                <a:latin typeface="Consolas" panose="020B0609020204030204" pitchFamily="49" charset="0"/>
+              </a:rPr>
+              <a:t>(300,800)</a:t>
+            </a:r>
+            <a:endParaRPr lang="ko-KR" altLang="en-US" sz="1400">
+              <a:latin typeface="Consolas" panose="020B0609020204030204" pitchFamily="49" charset="0"/>
+            </a:endParaRPr>
+          </a:p>
+        </p:txBody>
+      </p:sp>
+      <p:sp>
+        <p:nvSpPr>
+          <p:cNvPr id="15" name="TextBox 14">
+            <a:extLst>
+              <a:ext uri="{FF2B5EF4-FFF2-40B4-BE49-F238E27FC236}">
+                <a16:creationId xmlns:a16="http://schemas.microsoft.com/office/drawing/2014/main" id="{36179CC5-046B-E0BF-F267-A0E7F3A950D7}"/>
+              </a:ext>
+            </a:extLst>
+          </p:cNvPr>
+          <p:cNvSpPr txBox="1"/>
+          <p:nvPr/>
+        </p:nvSpPr>
+        <p:spPr>
+          <a:xfrm>
+            <a:off x="8768035" y="4689560"/>
+            <a:ext cx="1079142" cy="307777"/>
+          </a:xfrm>
+          <a:prstGeom prst="rect">
+            <a:avLst/>
+          </a:prstGeom>
+          <a:noFill/>
+        </p:spPr>
+        <p:txBody>
+          <a:bodyPr wrap="none" rtlCol="0">
+            <a:spAutoFit/>
+          </a:bodyPr>
+          <a:lstStyle/>
+          <a:p>
+            <a:pPr algn="l"/>
+            <a:r>
+              <a:rPr lang="en-US" altLang="ko-KR" sz="1400">
+                <a:latin typeface="Consolas" panose="020B0609020204030204" pitchFamily="49" charset="0"/>
+              </a:rPr>
+              <a:t>(400,500)</a:t>
+            </a:r>
+            <a:endParaRPr lang="ko-KR" altLang="en-US" sz="1400">
+              <a:latin typeface="Consolas" panose="020B0609020204030204" pitchFamily="49" charset="0"/>
+            </a:endParaRPr>
+          </a:p>
+        </p:txBody>
+      </p:sp>
+      <p:sp>
+        <p:nvSpPr>
+          <p:cNvPr id="17" name="TextBox 16">
+            <a:extLst>
+              <a:ext uri="{FF2B5EF4-FFF2-40B4-BE49-F238E27FC236}">
+                <a16:creationId xmlns:a16="http://schemas.microsoft.com/office/drawing/2014/main" id="{B3E51DAD-6D08-97B0-AB20-510DEB35F19A}"/>
+              </a:ext>
+            </a:extLst>
+          </p:cNvPr>
+          <p:cNvSpPr txBox="1"/>
+          <p:nvPr/>
+        </p:nvSpPr>
+        <p:spPr>
+          <a:xfrm>
+            <a:off x="8542610" y="4265663"/>
+            <a:ext cx="1079142" cy="307777"/>
+          </a:xfrm>
+          <a:prstGeom prst="rect">
+            <a:avLst/>
+          </a:prstGeom>
+          <a:noFill/>
+        </p:spPr>
+        <p:txBody>
+          <a:bodyPr wrap="none" rtlCol="0">
+            <a:spAutoFit/>
+          </a:bodyPr>
+          <a:lstStyle/>
+          <a:p>
+            <a:pPr algn="l"/>
+            <a:r>
+              <a:rPr lang="en-US" altLang="ko-KR" sz="1400">
+                <a:latin typeface="Consolas" panose="020B0609020204030204" pitchFamily="49" charset="0"/>
+              </a:rPr>
+              <a:t>(350,300)</a:t>
+            </a:r>
+            <a:endParaRPr lang="ko-KR" altLang="en-US" sz="1400">
+              <a:latin typeface="Consolas" panose="020B0609020204030204" pitchFamily="49" charset="0"/>
+            </a:endParaRPr>
+          </a:p>
+        </p:txBody>
+      </p:sp>
+      <p:sp>
+        <p:nvSpPr>
+          <p:cNvPr id="18" name="TextBox 17">
+            <a:extLst>
+              <a:ext uri="{FF2B5EF4-FFF2-40B4-BE49-F238E27FC236}">
+                <a16:creationId xmlns:a16="http://schemas.microsoft.com/office/drawing/2014/main" id="{97CF6E00-8DAC-3BDC-46ED-3386E8C34B91}"/>
+              </a:ext>
+            </a:extLst>
+          </p:cNvPr>
+          <p:cNvSpPr txBox="1"/>
+          <p:nvPr/>
+        </p:nvSpPr>
+        <p:spPr>
+          <a:xfrm>
+            <a:off x="9791793" y="3130216"/>
+            <a:ext cx="1178528" cy="307777"/>
+          </a:xfrm>
+          <a:prstGeom prst="rect">
+            <a:avLst/>
+          </a:prstGeom>
+          <a:noFill/>
+        </p:spPr>
+        <p:txBody>
+          <a:bodyPr wrap="none" rtlCol="0">
+            <a:spAutoFit/>
+          </a:bodyPr>
+          <a:lstStyle/>
+          <a:p>
+            <a:pPr algn="l"/>
+            <a:r>
+              <a:rPr lang="en-US" altLang="ko-KR" sz="1400">
+                <a:latin typeface="Consolas" panose="020B0609020204030204" pitchFamily="49" charset="0"/>
+              </a:rPr>
+              <a:t>(1000,100)</a:t>
+            </a:r>
+            <a:endParaRPr lang="ko-KR" altLang="en-US" sz="1400">
+              <a:latin typeface="Consolas" panose="020B0609020204030204" pitchFamily="49" charset="0"/>
+            </a:endParaRPr>
+          </a:p>
+        </p:txBody>
+      </p:sp>
+      <p:sp>
+        <p:nvSpPr>
+          <p:cNvPr id="19" name="TextBox 18">
+            <a:extLst>
+              <a:ext uri="{FF2B5EF4-FFF2-40B4-BE49-F238E27FC236}">
+                <a16:creationId xmlns:a16="http://schemas.microsoft.com/office/drawing/2014/main" id="{1994D04D-72B7-1E97-2752-12242916DA16}"/>
+              </a:ext>
+            </a:extLst>
+          </p:cNvPr>
+          <p:cNvSpPr txBox="1"/>
+          <p:nvPr/>
+        </p:nvSpPr>
+        <p:spPr>
+          <a:xfrm>
+            <a:off x="10889085" y="5231329"/>
+            <a:ext cx="1178528" cy="307777"/>
+          </a:xfrm>
+          <a:prstGeom prst="rect">
+            <a:avLst/>
+          </a:prstGeom>
+          <a:noFill/>
+        </p:spPr>
+        <p:txBody>
+          <a:bodyPr wrap="none" rtlCol="0">
+            <a:spAutoFit/>
+          </a:bodyPr>
+          <a:lstStyle/>
+          <a:p>
+            <a:pPr algn="l"/>
+            <a:r>
+              <a:rPr lang="en-US" altLang="ko-KR" sz="1400">
+                <a:latin typeface="Consolas" panose="020B0609020204030204" pitchFamily="49" charset="0"/>
+              </a:rPr>
+              <a:t>(1200,700)</a:t>
+            </a:r>
+            <a:endParaRPr lang="ko-KR" altLang="en-US" sz="1400">
+              <a:latin typeface="Consolas" panose="020B0609020204030204" pitchFamily="49" charset="0"/>
+            </a:endParaRPr>
+          </a:p>
+        </p:txBody>
+      </p:sp>
+      <p:sp>
+        <p:nvSpPr>
+          <p:cNvPr id="20" name="TextBox 19">
+            <a:extLst>
+              <a:ext uri="{FF2B5EF4-FFF2-40B4-BE49-F238E27FC236}">
+                <a16:creationId xmlns:a16="http://schemas.microsoft.com/office/drawing/2014/main" id="{4A4E6C4C-2430-271F-F1B1-82204AC6BD58}"/>
+              </a:ext>
+            </a:extLst>
+          </p:cNvPr>
+          <p:cNvSpPr txBox="1"/>
+          <p:nvPr/>
+        </p:nvSpPr>
+        <p:spPr>
+          <a:xfrm>
+            <a:off x="10957325" y="4856642"/>
+            <a:ext cx="1178528" cy="307777"/>
+          </a:xfrm>
+          <a:prstGeom prst="rect">
+            <a:avLst/>
+          </a:prstGeom>
+          <a:noFill/>
+        </p:spPr>
+        <p:txBody>
+          <a:bodyPr wrap="none" rtlCol="0">
+            <a:spAutoFit/>
+          </a:bodyPr>
+          <a:lstStyle/>
+          <a:p>
+            <a:pPr algn="l"/>
+            <a:r>
+              <a:rPr lang="en-US" altLang="ko-KR" sz="1400">
+                <a:latin typeface="Consolas" panose="020B0609020204030204" pitchFamily="49" charset="0"/>
+              </a:rPr>
+              <a:t>(1150,600)</a:t>
+            </a:r>
+            <a:endParaRPr lang="ko-KR" altLang="en-US" sz="1400">
+              <a:latin typeface="Consolas" panose="020B0609020204030204" pitchFamily="49" charset="0"/>
+            </a:endParaRPr>
+          </a:p>
+        </p:txBody>
+      </p:sp>
+      <p:sp>
+        <p:nvSpPr>
+          <p:cNvPr id="21" name="TextBox 20">
+            <a:extLst>
+              <a:ext uri="{FF2B5EF4-FFF2-40B4-BE49-F238E27FC236}">
+                <a16:creationId xmlns:a16="http://schemas.microsoft.com/office/drawing/2014/main" id="{FC9D1D70-BE6D-23E5-44AF-B64333494DA9}"/>
+              </a:ext>
+            </a:extLst>
+          </p:cNvPr>
+          <p:cNvSpPr txBox="1"/>
+          <p:nvPr/>
+        </p:nvSpPr>
+        <p:spPr>
+          <a:xfrm>
+            <a:off x="8034740" y="5257174"/>
+            <a:ext cx="564578" cy="369332"/>
+          </a:xfrm>
+          <a:prstGeom prst="rect">
+            <a:avLst/>
+          </a:prstGeom>
+          <a:noFill/>
+        </p:spPr>
+        <p:txBody>
+          <a:bodyPr wrap="none" rtlCol="0">
+            <a:spAutoFit/>
+          </a:bodyPr>
+          <a:lstStyle/>
+          <a:p>
+            <a:pPr algn="l"/>
+            <a:r>
+              <a:rPr lang="en-US" altLang="ko-KR">
+                <a:solidFill>
+                  <a:srgbClr val="FF0000"/>
+                </a:solidFill>
+                <a:latin typeface="Consolas" panose="020B0609020204030204" pitchFamily="49" charset="0"/>
+              </a:rPr>
+              <a:t>0.9</a:t>
+            </a:r>
+            <a:endParaRPr lang="ko-KR" altLang="en-US">
+              <a:solidFill>
+                <a:srgbClr val="FF0000"/>
+              </a:solidFill>
+              <a:latin typeface="Consolas" panose="020B0609020204030204" pitchFamily="49" charset="0"/>
+            </a:endParaRPr>
+          </a:p>
+        </p:txBody>
+      </p:sp>
+      <p:sp>
+        <p:nvSpPr>
+          <p:cNvPr id="22" name="TextBox 21">
+            <a:extLst>
+              <a:ext uri="{FF2B5EF4-FFF2-40B4-BE49-F238E27FC236}">
+                <a16:creationId xmlns:a16="http://schemas.microsoft.com/office/drawing/2014/main" id="{3AAB2EFF-C92B-C3DB-A948-595A5F8E8BD0}"/>
+              </a:ext>
+            </a:extLst>
+          </p:cNvPr>
+          <p:cNvSpPr txBox="1"/>
+          <p:nvPr/>
+        </p:nvSpPr>
+        <p:spPr>
+          <a:xfrm>
+            <a:off x="8687857" y="4510478"/>
+            <a:ext cx="564578" cy="369332"/>
+          </a:xfrm>
+          <a:prstGeom prst="rect">
+            <a:avLst/>
+          </a:prstGeom>
+          <a:noFill/>
+        </p:spPr>
+        <p:txBody>
+          <a:bodyPr wrap="none" rtlCol="0">
+            <a:spAutoFit/>
+          </a:bodyPr>
+          <a:lstStyle/>
+          <a:p>
+            <a:pPr algn="l"/>
+            <a:r>
+              <a:rPr lang="en-US" altLang="ko-KR">
+                <a:solidFill>
+                  <a:srgbClr val="FF0000"/>
+                </a:solidFill>
+                <a:latin typeface="Consolas" panose="020B0609020204030204" pitchFamily="49" charset="0"/>
+              </a:rPr>
+              <a:t>0.7</a:t>
+            </a:r>
+            <a:endParaRPr lang="ko-KR" altLang="en-US">
+              <a:solidFill>
+                <a:srgbClr val="FF0000"/>
+              </a:solidFill>
+              <a:latin typeface="Consolas" panose="020B0609020204030204" pitchFamily="49" charset="0"/>
+            </a:endParaRPr>
+          </a:p>
+        </p:txBody>
+      </p:sp>
+      <p:sp>
+        <p:nvSpPr>
+          <p:cNvPr id="23" name="TextBox 22">
+            <a:extLst>
+              <a:ext uri="{FF2B5EF4-FFF2-40B4-BE49-F238E27FC236}">
+                <a16:creationId xmlns:a16="http://schemas.microsoft.com/office/drawing/2014/main" id="{0FA2283E-2EB4-0182-AFB4-332C27AA381D}"/>
+              </a:ext>
+            </a:extLst>
+          </p:cNvPr>
+          <p:cNvSpPr txBox="1"/>
+          <p:nvPr/>
+        </p:nvSpPr>
+        <p:spPr>
+          <a:xfrm>
+            <a:off x="8631147" y="3929165"/>
+            <a:ext cx="564578" cy="369332"/>
+          </a:xfrm>
+          <a:prstGeom prst="rect">
+            <a:avLst/>
+          </a:prstGeom>
+          <a:noFill/>
+        </p:spPr>
+        <p:txBody>
+          <a:bodyPr wrap="none" rtlCol="0">
+            <a:spAutoFit/>
+          </a:bodyPr>
+          <a:lstStyle/>
+          <a:p>
+            <a:pPr algn="l"/>
+            <a:r>
+              <a:rPr lang="en-US" altLang="ko-KR">
+                <a:solidFill>
+                  <a:srgbClr val="FF0000"/>
+                </a:solidFill>
+                <a:latin typeface="Consolas" panose="020B0609020204030204" pitchFamily="49" charset="0"/>
+              </a:rPr>
+              <a:t>0.6</a:t>
+            </a:r>
+            <a:endParaRPr lang="ko-KR" altLang="en-US">
+              <a:solidFill>
+                <a:srgbClr val="FF0000"/>
+              </a:solidFill>
+              <a:latin typeface="Consolas" panose="020B0609020204030204" pitchFamily="49" charset="0"/>
+            </a:endParaRPr>
+          </a:p>
+        </p:txBody>
+      </p:sp>
+      <p:sp>
+        <p:nvSpPr>
+          <p:cNvPr id="24" name="TextBox 23">
+            <a:extLst>
+              <a:ext uri="{FF2B5EF4-FFF2-40B4-BE49-F238E27FC236}">
+                <a16:creationId xmlns:a16="http://schemas.microsoft.com/office/drawing/2014/main" id="{9D0FAC5C-580A-1CBC-E7B0-4F5641715E15}"/>
+              </a:ext>
+            </a:extLst>
+          </p:cNvPr>
+          <p:cNvSpPr txBox="1"/>
+          <p:nvPr/>
+        </p:nvSpPr>
+        <p:spPr>
+          <a:xfrm>
+            <a:off x="10381057" y="5016450"/>
+            <a:ext cx="564578" cy="369332"/>
+          </a:xfrm>
+          <a:prstGeom prst="rect">
+            <a:avLst/>
+          </a:prstGeom>
+          <a:noFill/>
+        </p:spPr>
+        <p:txBody>
+          <a:bodyPr wrap="none" rtlCol="0">
+            <a:spAutoFit/>
+          </a:bodyPr>
+          <a:lstStyle/>
+          <a:p>
+            <a:pPr algn="l"/>
+            <a:r>
+              <a:rPr lang="en-US" altLang="ko-KR">
+                <a:solidFill>
+                  <a:srgbClr val="FF0000"/>
+                </a:solidFill>
+                <a:latin typeface="Consolas" panose="020B0609020204030204" pitchFamily="49" charset="0"/>
+              </a:rPr>
+              <a:t>0.8</a:t>
+            </a:r>
+            <a:endParaRPr lang="ko-KR" altLang="en-US">
+              <a:solidFill>
+                <a:srgbClr val="FF0000"/>
+              </a:solidFill>
+              <a:latin typeface="Consolas" panose="020B0609020204030204" pitchFamily="49" charset="0"/>
+            </a:endParaRPr>
+          </a:p>
+        </p:txBody>
+      </p:sp>
+      <p:sp>
+        <p:nvSpPr>
+          <p:cNvPr id="25" name="TextBox 24">
+            <a:extLst>
+              <a:ext uri="{FF2B5EF4-FFF2-40B4-BE49-F238E27FC236}">
+                <a16:creationId xmlns:a16="http://schemas.microsoft.com/office/drawing/2014/main" id="{A1001790-391A-F5E1-B894-124907BCED5A}"/>
+              </a:ext>
+            </a:extLst>
+          </p:cNvPr>
+          <p:cNvSpPr txBox="1"/>
+          <p:nvPr/>
+        </p:nvSpPr>
+        <p:spPr>
+          <a:xfrm>
+            <a:off x="10125751" y="3744450"/>
+            <a:ext cx="564578" cy="369332"/>
+          </a:xfrm>
+          <a:prstGeom prst="rect">
+            <a:avLst/>
+          </a:prstGeom>
+          <a:noFill/>
+        </p:spPr>
+        <p:txBody>
+          <a:bodyPr wrap="none" rtlCol="0">
+            <a:spAutoFit/>
+          </a:bodyPr>
+          <a:lstStyle/>
+          <a:p>
+            <a:pPr algn="l"/>
+            <a:r>
+              <a:rPr lang="en-US" altLang="ko-KR">
+                <a:solidFill>
+                  <a:srgbClr val="FF0000"/>
+                </a:solidFill>
+                <a:latin typeface="Consolas" panose="020B0609020204030204" pitchFamily="49" charset="0"/>
+              </a:rPr>
+              <a:t>0.7</a:t>
+            </a:r>
+            <a:endParaRPr lang="ko-KR" altLang="en-US">
+              <a:solidFill>
+                <a:srgbClr val="FF0000"/>
+              </a:solidFill>
+              <a:latin typeface="Consolas" panose="020B0609020204030204" pitchFamily="49" charset="0"/>
+            </a:endParaRPr>
+          </a:p>
+        </p:txBody>
+      </p:sp>
+      <p:sp>
+        <p:nvSpPr>
+          <p:cNvPr id="29" name="TextBox 28">
+            <a:extLst>
+              <a:ext uri="{FF2B5EF4-FFF2-40B4-BE49-F238E27FC236}">
+                <a16:creationId xmlns:a16="http://schemas.microsoft.com/office/drawing/2014/main" id="{85A34284-4EE8-0A33-BA6A-A60A34B67B4A}"/>
+              </a:ext>
+            </a:extLst>
+          </p:cNvPr>
+          <p:cNvSpPr txBox="1"/>
+          <p:nvPr/>
+        </p:nvSpPr>
+        <p:spPr>
+          <a:xfrm>
+            <a:off x="8237621" y="5903495"/>
+            <a:ext cx="1324402" cy="369332"/>
+          </a:xfrm>
+          <a:prstGeom prst="rect">
+            <a:avLst/>
+          </a:prstGeom>
+          <a:noFill/>
+        </p:spPr>
+        <p:txBody>
+          <a:bodyPr wrap="none" rtlCol="0">
+            <a:spAutoFit/>
+          </a:bodyPr>
+          <a:lstStyle/>
+          <a:p>
+            <a:pPr algn="l"/>
+            <a:r>
+              <a:rPr lang="en-US" altLang="ko-KR">
+                <a:latin typeface="Consolas" panose="020B0609020204030204" pitchFamily="49" charset="0"/>
+              </a:rPr>
+              <a:t>(251,101)</a:t>
+            </a:r>
+            <a:endParaRPr lang="ko-KR" altLang="en-US">
+              <a:latin typeface="Consolas" panose="020B0609020204030204" pitchFamily="49" charset="0"/>
+            </a:endParaRPr>
+          </a:p>
+        </p:txBody>
+      </p:sp>
+      <p:sp>
+        <p:nvSpPr>
+          <p:cNvPr id="27" name="TextBox 26">
+            <a:extLst>
+              <a:ext uri="{FF2B5EF4-FFF2-40B4-BE49-F238E27FC236}">
+                <a16:creationId xmlns:a16="http://schemas.microsoft.com/office/drawing/2014/main" id="{10492C09-9A06-35B4-A7E3-712834E5BF83}"/>
+              </a:ext>
+            </a:extLst>
+          </p:cNvPr>
+          <p:cNvSpPr txBox="1"/>
+          <p:nvPr/>
+        </p:nvSpPr>
+        <p:spPr>
+          <a:xfrm>
+            <a:off x="584487" y="4822145"/>
+            <a:ext cx="2970685" cy="369332"/>
+          </a:xfrm>
+          <a:prstGeom prst="rect">
+            <a:avLst/>
+          </a:prstGeom>
+          <a:noFill/>
+        </p:spPr>
+        <p:txBody>
+          <a:bodyPr wrap="none" rtlCol="0">
+            <a:spAutoFit/>
+          </a:bodyPr>
+          <a:lstStyle/>
+          <a:p>
+            <a:pPr algn="l"/>
+            <a:r>
+              <a:rPr lang="en-US" altLang="ko-KR">
+                <a:latin typeface="Consolas" panose="020B0609020204030204" pitchFamily="49" charset="0"/>
+              </a:rPr>
+              <a:t>idxs = [0, 1, 3, 4, 2]</a:t>
+            </a:r>
+          </a:p>
+        </p:txBody>
+      </p:sp>
+      <p:cxnSp>
+        <p:nvCxnSpPr>
+          <p:cNvPr id="30" name="직선 화살표 연결선 29">
+            <a:extLst>
+              <a:ext uri="{FF2B5EF4-FFF2-40B4-BE49-F238E27FC236}">
+                <a16:creationId xmlns:a16="http://schemas.microsoft.com/office/drawing/2014/main" id="{8EAA72BA-9BB8-AADB-89AC-9B10BEDA9C38}"/>
+              </a:ext>
+            </a:extLst>
+          </p:cNvPr>
+          <p:cNvCxnSpPr>
+            <a:cxnSpLocks/>
+          </p:cNvCxnSpPr>
+          <p:nvPr/>
+        </p:nvCxnSpPr>
+        <p:spPr>
+          <a:xfrm>
+            <a:off x="3253703" y="4633493"/>
+            <a:ext cx="0" cy="268077"/>
+          </a:xfrm>
+          <a:prstGeom prst="straightConnector1">
+            <a:avLst/>
+          </a:prstGeom>
+          <a:ln w="38100">
+            <a:solidFill>
+              <a:srgbClr val="FF0000"/>
+            </a:solidFill>
+            <a:tailEnd type="triangle"/>
+          </a:ln>
+        </p:spPr>
+        <p:style>
+          <a:lnRef idx="1">
+            <a:schemeClr val="accent1"/>
+          </a:lnRef>
+          <a:fillRef idx="0">
+            <a:schemeClr val="accent1"/>
+          </a:fillRef>
+          <a:effectRef idx="0">
+            <a:schemeClr val="accent1"/>
+          </a:effectRef>
+          <a:fontRef idx="minor">
+            <a:schemeClr val="tx1"/>
+          </a:fontRef>
+        </p:style>
+      </p:cxnSp>
+      <p:sp>
+        <p:nvSpPr>
+          <p:cNvPr id="33" name="TextBox 32">
+            <a:extLst>
+              <a:ext uri="{FF2B5EF4-FFF2-40B4-BE49-F238E27FC236}">
+                <a16:creationId xmlns:a16="http://schemas.microsoft.com/office/drawing/2014/main" id="{850B101B-305C-5193-9EA6-B092CF1D0D3F}"/>
+              </a:ext>
+            </a:extLst>
+          </p:cNvPr>
+          <p:cNvSpPr txBox="1"/>
+          <p:nvPr/>
+        </p:nvSpPr>
+        <p:spPr>
+          <a:xfrm>
+            <a:off x="2914981" y="4332893"/>
+            <a:ext cx="691215" cy="369332"/>
+          </a:xfrm>
+          <a:prstGeom prst="rect">
+            <a:avLst/>
+          </a:prstGeom>
+          <a:noFill/>
+        </p:spPr>
+        <p:txBody>
+          <a:bodyPr wrap="none" rtlCol="0">
+            <a:spAutoFit/>
+          </a:bodyPr>
+          <a:lstStyle/>
+          <a:p>
+            <a:pPr algn="l"/>
+            <a:r>
+              <a:rPr lang="en-US" altLang="ko-KR">
+                <a:latin typeface="Consolas" panose="020B0609020204030204" pitchFamily="49" charset="0"/>
+              </a:rPr>
+              <a:t>last</a:t>
+            </a:r>
+            <a:endParaRPr lang="ko-KR" altLang="en-US">
+              <a:latin typeface="Consolas" panose="020B0609020204030204" pitchFamily="49" charset="0"/>
+            </a:endParaRPr>
+          </a:p>
+        </p:txBody>
+      </p:sp>
+      <p:sp>
+        <p:nvSpPr>
+          <p:cNvPr id="34" name="TextBox 33">
+            <a:extLst>
+              <a:ext uri="{FF2B5EF4-FFF2-40B4-BE49-F238E27FC236}">
+                <a16:creationId xmlns:a16="http://schemas.microsoft.com/office/drawing/2014/main" id="{667A0077-B753-F91A-7241-78F01123009A}"/>
+              </a:ext>
+            </a:extLst>
+          </p:cNvPr>
+          <p:cNvSpPr txBox="1"/>
+          <p:nvPr/>
+        </p:nvSpPr>
+        <p:spPr>
+          <a:xfrm>
+            <a:off x="590473" y="5274201"/>
+            <a:ext cx="564578" cy="369332"/>
+          </a:xfrm>
+          <a:prstGeom prst="rect">
+            <a:avLst/>
+          </a:prstGeom>
+          <a:noFill/>
+        </p:spPr>
+        <p:txBody>
+          <a:bodyPr wrap="none" rtlCol="0">
+            <a:spAutoFit/>
+          </a:bodyPr>
+          <a:lstStyle/>
+          <a:p>
+            <a:pPr algn="l"/>
+            <a:r>
+              <a:rPr lang="en-US" altLang="ko-KR">
+                <a:latin typeface="Consolas" panose="020B0609020204030204" pitchFamily="49" charset="0"/>
+              </a:rPr>
+              <a:t>i=2</a:t>
+            </a:r>
+          </a:p>
+        </p:txBody>
+      </p:sp>
+      <p:sp>
+        <p:nvSpPr>
+          <p:cNvPr id="35" name="TextBox 34">
+            <a:extLst>
+              <a:ext uri="{FF2B5EF4-FFF2-40B4-BE49-F238E27FC236}">
+                <a16:creationId xmlns:a16="http://schemas.microsoft.com/office/drawing/2014/main" id="{8659DCA6-1EB6-5E4F-E3C8-E5766FD6CB0D}"/>
+              </a:ext>
+            </a:extLst>
+          </p:cNvPr>
+          <p:cNvSpPr txBox="1"/>
+          <p:nvPr/>
+        </p:nvSpPr>
+        <p:spPr>
+          <a:xfrm>
+            <a:off x="608377" y="5760204"/>
+            <a:ext cx="5123518" cy="369332"/>
+          </a:xfrm>
+          <a:prstGeom prst="rect">
+            <a:avLst/>
+          </a:prstGeom>
+          <a:noFill/>
+        </p:spPr>
+        <p:txBody>
+          <a:bodyPr wrap="none" rtlCol="0">
+            <a:spAutoFit/>
+          </a:bodyPr>
+          <a:lstStyle/>
+          <a:p>
+            <a:pPr algn="l"/>
+            <a:r>
+              <a:rPr lang="en-US" altLang="ko-KR">
+                <a:latin typeface="Consolas" panose="020B0609020204030204" pitchFamily="49" charset="0"/>
+              </a:rPr>
+              <a:t>probs = np.array([0.6,0.7,0.9,0.7,0.8])</a:t>
+            </a:r>
+            <a:endParaRPr lang="ko-KR" altLang="en-US">
+              <a:latin typeface="Consolas" panose="020B0609020204030204" pitchFamily="49" charset="0"/>
+            </a:endParaRPr>
+          </a:p>
+        </p:txBody>
+      </p:sp>
+      <p:cxnSp>
+        <p:nvCxnSpPr>
+          <p:cNvPr id="36" name="직선 화살표 연결선 35">
+            <a:extLst>
+              <a:ext uri="{FF2B5EF4-FFF2-40B4-BE49-F238E27FC236}">
+                <a16:creationId xmlns:a16="http://schemas.microsoft.com/office/drawing/2014/main" id="{3E9ABB72-9F3B-D0FB-1AA3-95B73FC3F41D}"/>
+              </a:ext>
+            </a:extLst>
+          </p:cNvPr>
+          <p:cNvCxnSpPr>
+            <a:cxnSpLocks/>
+          </p:cNvCxnSpPr>
+          <p:nvPr/>
+        </p:nvCxnSpPr>
+        <p:spPr>
+          <a:xfrm>
+            <a:off x="4116691" y="5615865"/>
+            <a:ext cx="0" cy="268077"/>
+          </a:xfrm>
+          <a:prstGeom prst="straightConnector1">
+            <a:avLst/>
+          </a:prstGeom>
+          <a:ln w="38100">
+            <a:solidFill>
+              <a:srgbClr val="FF0000"/>
+            </a:solidFill>
+            <a:tailEnd type="triangle"/>
+          </a:ln>
+        </p:spPr>
+        <p:style>
+          <a:lnRef idx="1">
+            <a:schemeClr val="accent1"/>
+          </a:lnRef>
+          <a:fillRef idx="0">
+            <a:schemeClr val="accent1"/>
+          </a:fillRef>
+          <a:effectRef idx="0">
+            <a:schemeClr val="accent1"/>
+          </a:effectRef>
+          <a:fontRef idx="minor">
+            <a:schemeClr val="tx1"/>
+          </a:fontRef>
+        </p:style>
+      </p:cxnSp>
+      <p:sp>
+        <p:nvSpPr>
+          <p:cNvPr id="37" name="TextBox 36">
+            <a:extLst>
+              <a:ext uri="{FF2B5EF4-FFF2-40B4-BE49-F238E27FC236}">
+                <a16:creationId xmlns:a16="http://schemas.microsoft.com/office/drawing/2014/main" id="{6B446FBF-DC82-391E-1103-88EB505A02E5}"/>
+              </a:ext>
+            </a:extLst>
+          </p:cNvPr>
+          <p:cNvSpPr txBox="1"/>
+          <p:nvPr/>
+        </p:nvSpPr>
+        <p:spPr>
+          <a:xfrm>
+            <a:off x="3950954" y="5309408"/>
+            <a:ext cx="311304" cy="369332"/>
+          </a:xfrm>
+          <a:prstGeom prst="rect">
+            <a:avLst/>
+          </a:prstGeom>
+          <a:noFill/>
+        </p:spPr>
+        <p:txBody>
+          <a:bodyPr wrap="none" rtlCol="0">
+            <a:spAutoFit/>
+          </a:bodyPr>
+          <a:lstStyle/>
+          <a:p>
+            <a:pPr algn="l"/>
+            <a:r>
+              <a:rPr lang="en-US" altLang="ko-KR">
+                <a:latin typeface="Consolas" panose="020B0609020204030204" pitchFamily="49" charset="0"/>
+              </a:rPr>
+              <a:t>i</a:t>
+            </a:r>
+            <a:endParaRPr lang="ko-KR" altLang="en-US">
+              <a:latin typeface="Consolas" panose="020B0609020204030204" pitchFamily="49" charset="0"/>
+            </a:endParaRPr>
+          </a:p>
+        </p:txBody>
+      </p:sp>
+      <p:sp>
+        <p:nvSpPr>
+          <p:cNvPr id="38" name="TextBox 37">
+            <a:extLst>
+              <a:ext uri="{FF2B5EF4-FFF2-40B4-BE49-F238E27FC236}">
+                <a16:creationId xmlns:a16="http://schemas.microsoft.com/office/drawing/2014/main" id="{50FDB4B2-B7CD-F905-B769-3BBFEC14BB95}"/>
+              </a:ext>
+            </a:extLst>
+          </p:cNvPr>
+          <p:cNvSpPr txBox="1"/>
+          <p:nvPr/>
+        </p:nvSpPr>
+        <p:spPr>
+          <a:xfrm>
+            <a:off x="608377" y="6211000"/>
+            <a:ext cx="1704313" cy="369332"/>
+          </a:xfrm>
+          <a:prstGeom prst="rect">
+            <a:avLst/>
+          </a:prstGeom>
+          <a:noFill/>
+        </p:spPr>
+        <p:txBody>
+          <a:bodyPr wrap="none" rtlCol="0">
+            <a:spAutoFit/>
+          </a:bodyPr>
+          <a:lstStyle/>
+          <a:p>
+            <a:pPr algn="l"/>
+            <a:r>
+              <a:rPr lang="en-US" altLang="ko-KR">
+                <a:latin typeface="Consolas" panose="020B0609020204030204" pitchFamily="49" charset="0"/>
+              </a:rPr>
+              <a:t>pick = [2,4]</a:t>
+            </a:r>
+          </a:p>
+        </p:txBody>
+      </p:sp>
+      <p:sp>
+        <p:nvSpPr>
+          <p:cNvPr id="40" name="TextBox 39">
+            <a:extLst>
+              <a:ext uri="{FF2B5EF4-FFF2-40B4-BE49-F238E27FC236}">
+                <a16:creationId xmlns:a16="http://schemas.microsoft.com/office/drawing/2014/main" id="{2BCFB9F3-023C-335F-31E7-610016E36BA0}"/>
+              </a:ext>
+            </a:extLst>
+          </p:cNvPr>
+          <p:cNvSpPr txBox="1"/>
+          <p:nvPr/>
+        </p:nvSpPr>
+        <p:spPr>
+          <a:xfrm>
+            <a:off x="7241754" y="535736"/>
+            <a:ext cx="3139303" cy="2031325"/>
+          </a:xfrm>
+          <a:prstGeom prst="rect">
+            <a:avLst/>
+          </a:prstGeom>
+          <a:noFill/>
+        </p:spPr>
+        <p:txBody>
+          <a:bodyPr wrap="square">
+            <a:spAutoFit/>
+          </a:bodyPr>
+          <a:lstStyle/>
+          <a:p>
+            <a:pPr algn="l"/>
+            <a:r>
+              <a:rPr lang="en-US" altLang="ko-KR">
+                <a:latin typeface="Consolas" panose="020B0609020204030204" pitchFamily="49" charset="0"/>
+              </a:rPr>
+              <a:t>boxes=np.array([</a:t>
+            </a:r>
+          </a:p>
+          <a:p>
+            <a:pPr algn="l"/>
+            <a:r>
+              <a:rPr lang="en-US" altLang="ko-KR">
+                <a:latin typeface="Consolas" panose="020B0609020204030204" pitchFamily="49" charset="0"/>
+              </a:rPr>
+              <a:t>   [100 ,200, 350,300],</a:t>
+            </a:r>
+          </a:p>
+          <a:p>
+            <a:pPr algn="l"/>
+            <a:r>
+              <a:rPr lang="en-US" altLang="ko-KR">
+                <a:latin typeface="Consolas" panose="020B0609020204030204" pitchFamily="49" charset="0"/>
+              </a:rPr>
+              <a:t>   [100 ,200, 400,500],</a:t>
+            </a:r>
+          </a:p>
+          <a:p>
+            <a:r>
+              <a:rPr lang="en-US" altLang="ko-KR">
+                <a:latin typeface="Consolas" panose="020B0609020204030204" pitchFamily="49" charset="0"/>
+              </a:rPr>
+              <a:t>   [100 ,200, 300,800],</a:t>
+            </a:r>
+          </a:p>
+          <a:p>
+            <a:r>
+              <a:rPr lang="en-US" altLang="ko-KR">
+                <a:latin typeface="Consolas" panose="020B0609020204030204" pitchFamily="49" charset="0"/>
+              </a:rPr>
+              <a:t>   [1000,100,1150,600],</a:t>
+            </a:r>
+          </a:p>
+          <a:p>
+            <a:r>
+              <a:rPr lang="en-US" altLang="ko-KR">
+                <a:latin typeface="Consolas" panose="020B0609020204030204" pitchFamily="49" charset="0"/>
+              </a:rPr>
+              <a:t>   [1000,100,1200,700]</a:t>
+            </a:r>
+          </a:p>
+          <a:p>
+            <a:r>
+              <a:rPr lang="en-US" altLang="ko-KR">
+                <a:latin typeface="Consolas" panose="020B0609020204030204" pitchFamily="49" charset="0"/>
+              </a:rPr>
+              <a:t>])</a:t>
+            </a:r>
+          </a:p>
+        </p:txBody>
+      </p:sp>
+      <p:cxnSp>
+        <p:nvCxnSpPr>
+          <p:cNvPr id="41" name="직선 화살표 연결선 40">
+            <a:extLst>
+              <a:ext uri="{FF2B5EF4-FFF2-40B4-BE49-F238E27FC236}">
+                <a16:creationId xmlns:a16="http://schemas.microsoft.com/office/drawing/2014/main" id="{82E82EFA-6907-FD95-BAB2-6ED5EBDAD412}"/>
+              </a:ext>
+            </a:extLst>
+          </p:cNvPr>
+          <p:cNvCxnSpPr>
+            <a:cxnSpLocks/>
+          </p:cNvCxnSpPr>
+          <p:nvPr/>
+        </p:nvCxnSpPr>
+        <p:spPr>
+          <a:xfrm>
+            <a:off x="7231174" y="1565330"/>
+            <a:ext cx="477342" cy="0"/>
+          </a:xfrm>
+          <a:prstGeom prst="straightConnector1">
+            <a:avLst/>
+          </a:prstGeom>
+          <a:ln w="38100">
+            <a:solidFill>
+              <a:srgbClr val="FF0000"/>
+            </a:solidFill>
+            <a:tailEnd type="triangle"/>
+          </a:ln>
+        </p:spPr>
+        <p:style>
+          <a:lnRef idx="1">
+            <a:schemeClr val="accent1"/>
+          </a:lnRef>
+          <a:fillRef idx="0">
+            <a:schemeClr val="accent1"/>
+          </a:fillRef>
+          <a:effectRef idx="0">
+            <a:schemeClr val="accent1"/>
+          </a:effectRef>
+          <a:fontRef idx="minor">
+            <a:schemeClr val="tx1"/>
+          </a:fontRef>
+        </p:style>
+      </p:cxnSp>
+      <p:sp>
+        <p:nvSpPr>
+          <p:cNvPr id="43" name="TextBox 42">
+            <a:extLst>
+              <a:ext uri="{FF2B5EF4-FFF2-40B4-BE49-F238E27FC236}">
+                <a16:creationId xmlns:a16="http://schemas.microsoft.com/office/drawing/2014/main" id="{832957F0-1576-804E-C839-D9D01666C3A2}"/>
+              </a:ext>
+            </a:extLst>
+          </p:cNvPr>
+          <p:cNvSpPr txBox="1"/>
+          <p:nvPr/>
+        </p:nvSpPr>
+        <p:spPr>
+          <a:xfrm>
+            <a:off x="6905311" y="1366732"/>
+            <a:ext cx="311304" cy="369332"/>
+          </a:xfrm>
+          <a:prstGeom prst="rect">
+            <a:avLst/>
+          </a:prstGeom>
+          <a:noFill/>
+        </p:spPr>
+        <p:txBody>
+          <a:bodyPr wrap="none" rtlCol="0">
+            <a:spAutoFit/>
+          </a:bodyPr>
+          <a:lstStyle/>
+          <a:p>
+            <a:pPr algn="l"/>
+            <a:r>
+              <a:rPr lang="en-US" altLang="ko-KR">
+                <a:latin typeface="Consolas" panose="020B0609020204030204" pitchFamily="49" charset="0"/>
+              </a:rPr>
+              <a:t>i</a:t>
+            </a:r>
+            <a:endParaRPr lang="ko-KR" altLang="en-US">
+              <a:latin typeface="Consolas" panose="020B0609020204030204" pitchFamily="49" charset="0"/>
+            </a:endParaRPr>
+          </a:p>
+        </p:txBody>
+      </p:sp>
+    </p:spTree>
+    <p:extLst>
+      <p:ext uri="{BB962C8B-B14F-4D97-AF65-F5344CB8AC3E}">
+        <p14:creationId xmlns:p14="http://schemas.microsoft.com/office/powerpoint/2010/main" val="385990073"/>
       </p:ext>
     </p:extLst>
   </p:cSld>

--- a/1_day/1일차_판서.pptx
+++ b/1_day/1일차_판서.pptx
@@ -264,7 +264,7 @@
           <a:p>
             <a:fld id="{7038A63A-32EC-4BAC-8FBD-FA821D9570F2}" type="datetimeFigureOut">
               <a:rPr lang="ko-KR" altLang="en-US" smtClean="0"/>
-              <a:t>2023-09-12</a:t>
+              <a:t>2023-10-16</a:t>
             </a:fld>
             <a:endParaRPr lang="ko-KR" altLang="en-US"/>
           </a:p>
@@ -462,7 +462,7 @@
           <a:p>
             <a:fld id="{7038A63A-32EC-4BAC-8FBD-FA821D9570F2}" type="datetimeFigureOut">
               <a:rPr lang="ko-KR" altLang="en-US" smtClean="0"/>
-              <a:t>2023-09-12</a:t>
+              <a:t>2023-10-16</a:t>
             </a:fld>
             <a:endParaRPr lang="ko-KR" altLang="en-US"/>
           </a:p>
@@ -670,7 +670,7 @@
           <a:p>
             <a:fld id="{7038A63A-32EC-4BAC-8FBD-FA821D9570F2}" type="datetimeFigureOut">
               <a:rPr lang="ko-KR" altLang="en-US" smtClean="0"/>
-              <a:t>2023-09-12</a:t>
+              <a:t>2023-10-16</a:t>
             </a:fld>
             <a:endParaRPr lang="ko-KR" altLang="en-US"/>
           </a:p>
@@ -868,7 +868,7 @@
           <a:p>
             <a:fld id="{7038A63A-32EC-4BAC-8FBD-FA821D9570F2}" type="datetimeFigureOut">
               <a:rPr lang="ko-KR" altLang="en-US" smtClean="0"/>
-              <a:t>2023-09-12</a:t>
+              <a:t>2023-10-16</a:t>
             </a:fld>
             <a:endParaRPr lang="ko-KR" altLang="en-US"/>
           </a:p>
@@ -1143,7 +1143,7 @@
           <a:p>
             <a:fld id="{7038A63A-32EC-4BAC-8FBD-FA821D9570F2}" type="datetimeFigureOut">
               <a:rPr lang="ko-KR" altLang="en-US" smtClean="0"/>
-              <a:t>2023-09-12</a:t>
+              <a:t>2023-10-16</a:t>
             </a:fld>
             <a:endParaRPr lang="ko-KR" altLang="en-US"/>
           </a:p>
@@ -1408,7 +1408,7 @@
           <a:p>
             <a:fld id="{7038A63A-32EC-4BAC-8FBD-FA821D9570F2}" type="datetimeFigureOut">
               <a:rPr lang="ko-KR" altLang="en-US" smtClean="0"/>
-              <a:t>2023-09-12</a:t>
+              <a:t>2023-10-16</a:t>
             </a:fld>
             <a:endParaRPr lang="ko-KR" altLang="en-US"/>
           </a:p>
@@ -1820,7 +1820,7 @@
           <a:p>
             <a:fld id="{7038A63A-32EC-4BAC-8FBD-FA821D9570F2}" type="datetimeFigureOut">
               <a:rPr lang="ko-KR" altLang="en-US" smtClean="0"/>
-              <a:t>2023-09-12</a:t>
+              <a:t>2023-10-16</a:t>
             </a:fld>
             <a:endParaRPr lang="ko-KR" altLang="en-US"/>
           </a:p>
@@ -1961,7 +1961,7 @@
           <a:p>
             <a:fld id="{7038A63A-32EC-4BAC-8FBD-FA821D9570F2}" type="datetimeFigureOut">
               <a:rPr lang="ko-KR" altLang="en-US" smtClean="0"/>
-              <a:t>2023-09-12</a:t>
+              <a:t>2023-10-16</a:t>
             </a:fld>
             <a:endParaRPr lang="ko-KR" altLang="en-US"/>
           </a:p>
@@ -2074,7 +2074,7 @@
           <a:p>
             <a:fld id="{7038A63A-32EC-4BAC-8FBD-FA821D9570F2}" type="datetimeFigureOut">
               <a:rPr lang="ko-KR" altLang="en-US" smtClean="0"/>
-              <a:t>2023-09-12</a:t>
+              <a:t>2023-10-16</a:t>
             </a:fld>
             <a:endParaRPr lang="ko-KR" altLang="en-US"/>
           </a:p>
@@ -2385,7 +2385,7 @@
           <a:p>
             <a:fld id="{7038A63A-32EC-4BAC-8FBD-FA821D9570F2}" type="datetimeFigureOut">
               <a:rPr lang="ko-KR" altLang="en-US" smtClean="0"/>
-              <a:t>2023-09-12</a:t>
+              <a:t>2023-10-16</a:t>
             </a:fld>
             <a:endParaRPr lang="ko-KR" altLang="en-US"/>
           </a:p>
@@ -2673,7 +2673,7 @@
           <a:p>
             <a:fld id="{7038A63A-32EC-4BAC-8FBD-FA821D9570F2}" type="datetimeFigureOut">
               <a:rPr lang="ko-KR" altLang="en-US" smtClean="0"/>
-              <a:t>2023-09-12</a:t>
+              <a:t>2023-10-16</a:t>
             </a:fld>
             <a:endParaRPr lang="ko-KR" altLang="en-US"/>
           </a:p>
@@ -2914,7 +2914,7 @@
           <a:p>
             <a:fld id="{7038A63A-32EC-4BAC-8FBD-FA821D9570F2}" type="datetimeFigureOut">
               <a:rPr lang="ko-KR" altLang="en-US" smtClean="0"/>
-              <a:t>2023-09-12</a:t>
+              <a:t>2023-10-16</a:t>
             </a:fld>
             <a:endParaRPr lang="ko-KR" altLang="en-US"/>
           </a:p>
@@ -4115,15 +4115,15 @@
               <a:rPr lang="en-US" altLang="ko-KR">
                 <a:latin typeface="Consolas" panose="020B0609020204030204" pitchFamily="49" charset="0"/>
               </a:rPr>
-              <a:t>    xB = min(boxA[2], boxB[2])  # xB = 300</a:t>
-            </a:r>
-          </a:p>
-          <a:p>
-            <a:r>
-              <a:rPr lang="en-US" altLang="ko-KR">
-                <a:latin typeface="Consolas" panose="020B0609020204030204" pitchFamily="49" charset="0"/>
-              </a:rPr>
-              <a:t>    yB = min(boxA[3], boxB[3])  # yB = 300</a:t>
+              <a:t>    xB = min(boxA[2], boxB[2])  # xB = 299</a:t>
+            </a:r>
+          </a:p>
+          <a:p>
+            <a:r>
+              <a:rPr lang="en-US" altLang="ko-KR">
+                <a:latin typeface="Consolas" panose="020B0609020204030204" pitchFamily="49" charset="0"/>
+              </a:rPr>
+              <a:t>    yB = min(boxA[3], boxB[3])  # yB = 299</a:t>
             </a:r>
           </a:p>
           <a:p>
@@ -5040,31 +5040,31 @@
               <a:rPr lang="en-US" altLang="ko-KR">
                 <a:latin typeface="Consolas" panose="020B0609020204030204" pitchFamily="49" charset="0"/>
               </a:rPr>
-              <a:t>    xA = max(boxA[0], boxB[0])  # xA = 200</a:t>
-            </a:r>
-          </a:p>
-          <a:p>
-            <a:r>
-              <a:rPr lang="en-US" altLang="ko-KR">
-                <a:latin typeface="Consolas" panose="020B0609020204030204" pitchFamily="49" charset="0"/>
-              </a:rPr>
-              <a:t>    yA = max(boxA[1], boxB[1])  # yA = 200</a:t>
-            </a:r>
-          </a:p>
-          <a:p>
-            <a:r>
-              <a:rPr lang="en-US" altLang="ko-KR">
-                <a:latin typeface="Consolas" panose="020B0609020204030204" pitchFamily="49" charset="0"/>
-              </a:rPr>
-              <a:t>    xB = min(boxA[2], boxB[2])  # xB = 200</a:t>
-            </a:r>
-          </a:p>
-          <a:p>
-            <a:r>
-              <a:rPr lang="en-US" altLang="ko-KR">
-                <a:latin typeface="Consolas" panose="020B0609020204030204" pitchFamily="49" charset="0"/>
-              </a:rPr>
-              <a:t>    yB = min(boxA[3], boxB[3])  # yB = 200</a:t>
+              <a:t>    xA = max(boxA[0], boxB[0])  # xA = 300</a:t>
+            </a:r>
+          </a:p>
+          <a:p>
+            <a:r>
+              <a:rPr lang="en-US" altLang="ko-KR">
+                <a:latin typeface="Consolas" panose="020B0609020204030204" pitchFamily="49" charset="0"/>
+              </a:rPr>
+              <a:t>    yA = max(boxA[1], boxB[1])  # yA = 0</a:t>
+            </a:r>
+          </a:p>
+          <a:p>
+            <a:r>
+              <a:rPr lang="en-US" altLang="ko-KR">
+                <a:latin typeface="Consolas" panose="020B0609020204030204" pitchFamily="49" charset="0"/>
+              </a:rPr>
+              <a:t>    xB = min(boxA[2], boxB[2])  # xB = 199</a:t>
+            </a:r>
+          </a:p>
+          <a:p>
+            <a:r>
+              <a:rPr lang="en-US" altLang="ko-KR">
+                <a:latin typeface="Consolas" panose="020B0609020204030204" pitchFamily="49" charset="0"/>
+              </a:rPr>
+              <a:t>    yB = min(boxA[3], boxB[3])  # yB = 199</a:t>
             </a:r>
           </a:p>
           <a:p>
